--- a/Unit 9/StructureAndUnions.pptx
+++ b/Unit 9/StructureAndUnions.pptx
@@ -5,7 +5,7 @@
     <p:sldMasterId id="2147483648" r:id="rId1"/>
   </p:sldMasterIdLst>
   <p:notesMasterIdLst>
-    <p:notesMasterId r:id="rId23"/>
+    <p:notesMasterId r:id="rId35"/>
   </p:notesMasterIdLst>
   <p:sldIdLst>
     <p:sldId id="256" r:id="rId2"/>
@@ -28,7 +28,19 @@
     <p:sldId id="275" r:id="rId19"/>
     <p:sldId id="276" r:id="rId20"/>
     <p:sldId id="268" r:id="rId21"/>
-    <p:sldId id="264" r:id="rId22"/>
+    <p:sldId id="277" r:id="rId22"/>
+    <p:sldId id="278" r:id="rId23"/>
+    <p:sldId id="279" r:id="rId24"/>
+    <p:sldId id="285" r:id="rId25"/>
+    <p:sldId id="286" r:id="rId26"/>
+    <p:sldId id="287" r:id="rId27"/>
+    <p:sldId id="288" r:id="rId28"/>
+    <p:sldId id="280" r:id="rId29"/>
+    <p:sldId id="281" r:id="rId30"/>
+    <p:sldId id="282" r:id="rId31"/>
+    <p:sldId id="283" r:id="rId32"/>
+    <p:sldId id="284" r:id="rId33"/>
+    <p:sldId id="264" r:id="rId34"/>
   </p:sldIdLst>
   <p:sldSz cx="12192000" cy="6858000"/>
   <p:notesSz cx="6858000" cy="9144000"/>
@@ -127,6 +139,11 @@
       </a:defRPr>
     </a:lvl9pPr>
   </p:defaultTextStyle>
+  <p:extLst>
+    <p:ext uri="{EFAFB233-063F-42B5-8137-9DF3F51BA10A}">
+      <p15:sldGuideLst xmlns:p15="http://schemas.microsoft.com/office/powerpoint/2012/main"/>
+    </p:ext>
+  </p:extLst>
 </p:presentation>
 </file>
 
@@ -4014,6 +4031,36 @@
           </a:prstGeom>
         </p:spPr>
       </p:pic>
+      <p:pic>
+        <p:nvPicPr>
+          <p:cNvPr id="3" name="Picture 2"/>
+          <p:cNvPicPr>
+            <a:picLocks noChangeAspect="1"/>
+          </p:cNvPicPr>
+          <p:nvPr/>
+        </p:nvPicPr>
+        <p:blipFill>
+          <a:blip r:embed="rId4">
+            <a:extLst>
+              <a:ext uri="{28A0092B-C50C-407E-A947-70E740481C1C}">
+                <a14:useLocalDpi xmlns:a14="http://schemas.microsoft.com/office/drawing/2010/main" val="0"/>
+              </a:ext>
+            </a:extLst>
+          </a:blip>
+          <a:stretch>
+            <a:fillRect/>
+          </a:stretch>
+        </p:blipFill>
+        <p:spPr>
+          <a:xfrm>
+            <a:off x="321234" y="2051106"/>
+            <a:ext cx="241300" cy="342900"/>
+          </a:xfrm>
+          <a:prstGeom prst="rect">
+            <a:avLst/>
+          </a:prstGeom>
+        </p:spPr>
+      </p:pic>
     </p:spTree>
     <p:extLst>
       <p:ext uri="{BB962C8B-B14F-4D97-AF65-F5344CB8AC3E}">
@@ -4430,8 +4477,42 @@
         </p:nvSpPr>
         <p:spPr>
           <a:xfrm>
-            <a:off x="838200" y="386641"/>
-            <a:ext cx="10515600" cy="775186"/>
+            <a:off x="838200" y="289819"/>
+            <a:ext cx="10515600" cy="549274"/>
+          </a:xfrm>
+        </p:spPr>
+        <p:txBody>
+          <a:bodyPr>
+            <a:normAutofit fontScale="90000"/>
+          </a:bodyPr>
+          <a:lstStyle/>
+          <a:p>
+            <a:r>
+              <a:rPr lang="en-US" sz="3600" dirty="0" smtClean="0"/>
+              <a:t>Array </a:t>
+            </a:r>
+            <a:r>
+              <a:rPr lang="en-US" sz="3600" smtClean="0"/>
+              <a:t>Of Structure</a:t>
+            </a:r>
+            <a:endParaRPr lang="en-US" sz="3600" dirty="0"/>
+          </a:p>
+        </p:txBody>
+      </p:sp>
+      <p:sp>
+        <p:nvSpPr>
+          <p:cNvPr id="3" name="Content Placeholder 2"/>
+          <p:cNvSpPr>
+            <a:spLocks noGrp="1"/>
+          </p:cNvSpPr>
+          <p:nvPr>
+            <p:ph idx="1"/>
+          </p:nvPr>
+        </p:nvSpPr>
+        <p:spPr>
+          <a:xfrm>
+            <a:off x="838200" y="935916"/>
+            <a:ext cx="10515600" cy="5241048"/>
           </a:xfrm>
         </p:spPr>
         <p:txBody>
@@ -4441,38 +4522,50 @@
           <a:lstStyle/>
           <a:p>
             <a:r>
-              <a:rPr lang="en-US" sz="3600" dirty="0" smtClean="0"/>
-              <a:t>Array </a:t>
-            </a:r>
-            <a:r>
-              <a:rPr lang="en-US" sz="3600" smtClean="0"/>
-              <a:t>Of Structure</a:t>
-            </a:r>
-            <a:endParaRPr lang="en-US" sz="3600" dirty="0"/>
-          </a:p>
-        </p:txBody>
-      </p:sp>
-      <p:sp>
-        <p:nvSpPr>
-          <p:cNvPr id="3" name="Content Placeholder 2"/>
-          <p:cNvSpPr>
-            <a:spLocks noGrp="1"/>
-          </p:cNvSpPr>
-          <p:nvPr>
-            <p:ph idx="1"/>
-          </p:nvPr>
-        </p:nvSpPr>
-        <p:spPr>
-          <a:xfrm>
-            <a:off x="838200" y="1398494"/>
-            <a:ext cx="10515600" cy="4778469"/>
-          </a:xfrm>
-        </p:spPr>
-        <p:txBody>
-          <a:bodyPr>
-            <a:normAutofit/>
-          </a:bodyPr>
-          <a:lstStyle/>
+              <a:rPr lang="en-US" sz="2400" dirty="0" smtClean="0">
+                <a:latin typeface="+mj-lt"/>
+              </a:rPr>
+              <a:t>In our previous structure examples, if we want to keep record of 50 students, we have to make 50 structure variables like st1,st2</a:t>
+            </a:r>
+            <a:r>
+              <a:rPr lang="is-IS" sz="2400" dirty="0" smtClean="0">
+                <a:latin typeface="+mj-lt"/>
+              </a:rPr>
+              <a:t>….st50. (WORST Technique)</a:t>
+            </a:r>
+          </a:p>
+          <a:p>
+            <a:endParaRPr lang="is-IS" sz="2400" dirty="0">
+              <a:latin typeface="+mj-lt"/>
+            </a:endParaRPr>
+          </a:p>
+          <a:p>
+            <a:r>
+              <a:rPr lang="en-US" sz="2400" dirty="0" smtClean="0">
+                <a:latin typeface="+mj-lt"/>
+              </a:rPr>
+              <a:t>T</a:t>
+            </a:r>
+            <a:r>
+              <a:rPr lang="is-IS" sz="2400" dirty="0" smtClean="0">
+                <a:latin typeface="+mj-lt"/>
+              </a:rPr>
+              <a:t>o tackle this we can use array of structure to store records of 50 students. </a:t>
+            </a:r>
+          </a:p>
+          <a:p>
+            <a:endParaRPr lang="is-IS" sz="2400" dirty="0">
+              <a:latin typeface="+mj-lt"/>
+            </a:endParaRPr>
+          </a:p>
+          <a:p>
+            <a:r>
+              <a:rPr lang="is-IS" sz="2400" dirty="0" smtClean="0">
+                <a:latin typeface="+mj-lt"/>
+              </a:rPr>
+              <a:t>An array of structure can be declared in two ways as illustrated below</a:t>
+            </a:r>
+          </a:p>
           <a:p>
             <a:endParaRPr lang="en-US" sz="2400" dirty="0">
               <a:latin typeface="+mj-lt"/>
@@ -4526,6 +4619,232 @@
           </a:p>
         </p:txBody>
       </p:sp>
+      <p:graphicFrame>
+        <p:nvGraphicFramePr>
+          <p:cNvPr id="6" name="Table 5"/>
+          <p:cNvGraphicFramePr>
+            <a:graphicFrameLocks noGrp="1"/>
+          </p:cNvGraphicFramePr>
+          <p:nvPr>
+            <p:extLst>
+              <p:ext uri="{D42A27DB-BD31-4B8C-83A1-F6EECF244321}">
+                <p14:modId xmlns:p14="http://schemas.microsoft.com/office/powerpoint/2010/main" val="303691660"/>
+              </p:ext>
+            </p:extLst>
+          </p:nvPr>
+        </p:nvGraphicFramePr>
+        <p:xfrm>
+          <a:off x="1494117" y="3634988"/>
+          <a:ext cx="8128000" cy="2377440"/>
+        </p:xfrm>
+        <a:graphic>
+          <a:graphicData uri="http://schemas.openxmlformats.org/drawingml/2006/table">
+            <a:tbl>
+              <a:tblPr firstRow="1" bandRow="1">
+                <a:tableStyleId>{5C22544A-7EE6-4342-B048-85BDC9FD1C3A}</a:tableStyleId>
+              </a:tblPr>
+              <a:tblGrid>
+                <a:gridCol w="4064000"/>
+                <a:gridCol w="4064000"/>
+              </a:tblGrid>
+              <a:tr h="370840">
+                <a:tc>
+                  <a:txBody>
+                    <a:bodyPr/>
+                    <a:lstStyle/>
+                    <a:p>
+                      <a:r>
+                        <a:rPr lang="en-US" dirty="0" err="1" smtClean="0"/>
+                        <a:t>struct</a:t>
+                      </a:r>
+                      <a:r>
+                        <a:rPr lang="en-US" dirty="0" smtClean="0"/>
+                        <a:t> Employee{</a:t>
+                      </a:r>
+                    </a:p>
+                    <a:p>
+                      <a:r>
+                        <a:rPr lang="en-US" dirty="0" smtClean="0"/>
+                        <a:t>    char name[20];</a:t>
+                      </a:r>
+                    </a:p>
+                    <a:p>
+                      <a:r>
+                        <a:rPr lang="en-US" baseline="0" dirty="0" smtClean="0"/>
+                        <a:t>    </a:t>
+                      </a:r>
+                      <a:r>
+                        <a:rPr lang="en-US" baseline="0" dirty="0" err="1" smtClean="0"/>
+                        <a:t>int</a:t>
+                      </a:r>
+                      <a:r>
+                        <a:rPr lang="en-US" baseline="0" dirty="0" smtClean="0"/>
+                        <a:t> </a:t>
+                      </a:r>
+                      <a:r>
+                        <a:rPr lang="en-US" baseline="0" dirty="0" err="1" smtClean="0"/>
+                        <a:t>empID</a:t>
+                      </a:r>
+                      <a:r>
+                        <a:rPr lang="en-US" baseline="0" dirty="0" smtClean="0"/>
+                        <a:t>;</a:t>
+                      </a:r>
+                    </a:p>
+                    <a:p>
+                      <a:r>
+                        <a:rPr lang="en-US" baseline="0" dirty="0" smtClean="0"/>
+                        <a:t>    float salary;</a:t>
+                      </a:r>
+                    </a:p>
+                    <a:p>
+                      <a:r>
+                        <a:rPr lang="en-US" baseline="0" dirty="0" smtClean="0"/>
+                        <a:t>}</a:t>
+                      </a:r>
+                      <a:r>
+                        <a:rPr lang="en-US" baseline="0" dirty="0" err="1" smtClean="0"/>
+                        <a:t>emp</a:t>
+                      </a:r>
+                      <a:r>
+                        <a:rPr lang="en-US" baseline="0" dirty="0" smtClean="0"/>
+                        <a:t>[10];</a:t>
+                      </a:r>
+                      <a:endParaRPr lang="en-US" dirty="0" smtClean="0"/>
+                    </a:p>
+                    <a:p>
+                      <a:endParaRPr lang="en-US" dirty="0"/>
+                    </a:p>
+                  </a:txBody>
+                  <a:tcPr/>
+                </a:tc>
+                <a:tc>
+                  <a:txBody>
+                    <a:bodyPr/>
+                    <a:lstStyle/>
+                    <a:p>
+                      <a:r>
+                        <a:rPr lang="en-US" dirty="0" err="1" smtClean="0"/>
+                        <a:t>struct</a:t>
+                      </a:r>
+                      <a:r>
+                        <a:rPr lang="en-US" dirty="0" smtClean="0"/>
+                        <a:t> Employee{</a:t>
+                      </a:r>
+                    </a:p>
+                    <a:p>
+                      <a:r>
+                        <a:rPr lang="en-US" dirty="0" smtClean="0"/>
+                        <a:t>    char name[20];</a:t>
+                      </a:r>
+                    </a:p>
+                    <a:p>
+                      <a:r>
+                        <a:rPr lang="en-US" baseline="0" dirty="0" smtClean="0"/>
+                        <a:t>    </a:t>
+                      </a:r>
+                      <a:r>
+                        <a:rPr lang="en-US" baseline="0" dirty="0" err="1" smtClean="0"/>
+                        <a:t>int</a:t>
+                      </a:r>
+                      <a:r>
+                        <a:rPr lang="en-US" baseline="0" dirty="0" smtClean="0"/>
+                        <a:t> </a:t>
+                      </a:r>
+                      <a:r>
+                        <a:rPr lang="en-US" baseline="0" dirty="0" err="1" smtClean="0"/>
+                        <a:t>empID</a:t>
+                      </a:r>
+                      <a:r>
+                        <a:rPr lang="en-US" baseline="0" dirty="0" smtClean="0"/>
+                        <a:t>;</a:t>
+                      </a:r>
+                    </a:p>
+                    <a:p>
+                      <a:r>
+                        <a:rPr lang="en-US" baseline="0" dirty="0" smtClean="0"/>
+                        <a:t>    float salary;</a:t>
+                      </a:r>
+                    </a:p>
+                    <a:p>
+                      <a:r>
+                        <a:rPr lang="en-US" baseline="0" dirty="0" smtClean="0"/>
+                        <a:t>};</a:t>
+                      </a:r>
+                      <a:endParaRPr lang="en-US" dirty="0" smtClean="0"/>
+                    </a:p>
+                    <a:p>
+                      <a:r>
+                        <a:rPr lang="en-US" dirty="0" err="1" smtClean="0"/>
+                        <a:t>struct</a:t>
+                      </a:r>
+                      <a:r>
+                        <a:rPr lang="en-US" dirty="0" smtClean="0"/>
+                        <a:t> Employee </a:t>
+                      </a:r>
+                      <a:r>
+                        <a:rPr lang="en-US" dirty="0" err="1" smtClean="0"/>
+                        <a:t>emp</a:t>
+                      </a:r>
+                      <a:r>
+                        <a:rPr lang="en-US" dirty="0" smtClean="0"/>
+                        <a:t>[10];</a:t>
+                      </a:r>
+                      <a:endParaRPr lang="en-US" dirty="0"/>
+                    </a:p>
+                  </a:txBody>
+                  <a:tcPr/>
+                </a:tc>
+              </a:tr>
+              <a:tr h="370840">
+                <a:tc gridSpan="2">
+                  <a:txBody>
+                    <a:bodyPr/>
+                    <a:lstStyle/>
+                    <a:p>
+                      <a:r>
+                        <a:rPr lang="en-US" dirty="0" smtClean="0"/>
+                        <a:t>Here </a:t>
+                      </a:r>
+                      <a:r>
+                        <a:rPr lang="en-US" dirty="0" err="1" smtClean="0"/>
+                        <a:t>emp</a:t>
+                      </a:r>
+                      <a:r>
+                        <a:rPr lang="en-US" dirty="0" smtClean="0"/>
+                        <a:t> is an array</a:t>
+                      </a:r>
+                      <a:r>
+                        <a:rPr lang="en-US" baseline="0" dirty="0" smtClean="0"/>
+                        <a:t> of 10 Employee structures. Each element of the array </a:t>
+                      </a:r>
+                      <a:r>
+                        <a:rPr lang="en-US" baseline="0" dirty="0" err="1" smtClean="0"/>
+                        <a:t>emp</a:t>
+                      </a:r>
+                      <a:r>
+                        <a:rPr lang="en-US" baseline="0" dirty="0" smtClean="0"/>
+                        <a:t> will contain the structure of the type Employee.</a:t>
+                      </a:r>
+                      <a:endParaRPr lang="en-US" dirty="0"/>
+                    </a:p>
+                  </a:txBody>
+                  <a:tcPr/>
+                </a:tc>
+                <a:tc hMerge="1">
+                  <a:txBody>
+                    <a:bodyPr/>
+                    <a:lstStyle/>
+                    <a:p>
+                      <a:endParaRPr lang="en-US" dirty="0"/>
+                    </a:p>
+                  </a:txBody>
+                  <a:tcPr/>
+                </a:tc>
+              </a:tr>
+            </a:tbl>
+          </a:graphicData>
+        </a:graphic>
+      </p:graphicFrame>
     </p:spTree>
     <p:extLst>
       <p:ext uri="{BB962C8B-B14F-4D97-AF65-F5344CB8AC3E}">
@@ -4576,12 +4895,12 @@
         <p:spPr>
           <a:xfrm>
             <a:off x="838200" y="386641"/>
-            <a:ext cx="10515600" cy="775186"/>
+            <a:ext cx="10515600" cy="484728"/>
           </a:xfrm>
         </p:spPr>
         <p:txBody>
           <a:bodyPr>
-            <a:normAutofit/>
+            <a:normAutofit fontScale="90000"/>
           </a:bodyPr>
           <a:lstStyle/>
           <a:p>
@@ -4589,34 +4908,35 @@
           </a:p>
         </p:txBody>
       </p:sp>
-      <p:sp>
-        <p:nvSpPr>
-          <p:cNvPr id="3" name="Content Placeholder 2"/>
-          <p:cNvSpPr>
-            <a:spLocks noGrp="1"/>
-          </p:cNvSpPr>
+      <p:pic>
+        <p:nvPicPr>
+          <p:cNvPr id="6" name="Content Placeholder 5"/>
+          <p:cNvPicPr>
+            <a:picLocks noGrp="1" noChangeAspect="1"/>
+          </p:cNvPicPr>
           <p:nvPr>
             <p:ph idx="1"/>
           </p:nvPr>
-        </p:nvSpPr>
+        </p:nvPicPr>
+        <p:blipFill>
+          <a:blip r:embed="rId2">
+            <a:extLst>
+              <a:ext uri="{28A0092B-C50C-407E-A947-70E740481C1C}">
+                <a14:useLocalDpi xmlns:a14="http://schemas.microsoft.com/office/drawing/2010/main" val="0"/>
+              </a:ext>
+            </a:extLst>
+          </a:blip>
+          <a:stretch>
+            <a:fillRect/>
+          </a:stretch>
+        </p:blipFill>
         <p:spPr>
           <a:xfrm>
-            <a:off x="838200" y="1398494"/>
-            <a:ext cx="10515600" cy="4778469"/>
+            <a:off x="0" y="0"/>
+            <a:ext cx="5938188" cy="6858000"/>
           </a:xfrm>
         </p:spPr>
-        <p:txBody>
-          <a:bodyPr>
-            <a:normAutofit/>
-          </a:bodyPr>
-          <a:lstStyle/>
-          <a:p>
-            <a:endParaRPr lang="en-US" sz="2400" dirty="0">
-              <a:latin typeface="+mj-lt"/>
-            </a:endParaRPr>
-          </a:p>
-        </p:txBody>
-      </p:sp>
+      </p:pic>
       <p:sp>
         <p:nvSpPr>
           <p:cNvPr id="4" name="Footer Placeholder 3"/>
@@ -4663,6 +4983,36 @@
           </a:p>
         </p:txBody>
       </p:sp>
+      <p:pic>
+        <p:nvPicPr>
+          <p:cNvPr id="7" name="Picture 6"/>
+          <p:cNvPicPr>
+            <a:picLocks noChangeAspect="1"/>
+          </p:cNvPicPr>
+          <p:nvPr/>
+        </p:nvPicPr>
+        <p:blipFill>
+          <a:blip r:embed="rId3">
+            <a:extLst>
+              <a:ext uri="{28A0092B-C50C-407E-A947-70E740481C1C}">
+                <a14:useLocalDpi xmlns:a14="http://schemas.microsoft.com/office/drawing/2010/main" val="0"/>
+              </a:ext>
+            </a:extLst>
+          </a:blip>
+          <a:stretch>
+            <a:fillRect/>
+          </a:stretch>
+        </p:blipFill>
+        <p:spPr>
+          <a:xfrm>
+            <a:off x="6256466" y="0"/>
+            <a:ext cx="5935533" cy="6858000"/>
+          </a:xfrm>
+          <a:prstGeom prst="rect">
+            <a:avLst/>
+          </a:prstGeom>
+        </p:spPr>
+      </p:pic>
     </p:spTree>
     <p:extLst>
       <p:ext uri="{BB962C8B-B14F-4D97-AF65-F5344CB8AC3E}">
@@ -4713,7 +5063,7 @@
         <p:spPr>
           <a:xfrm>
             <a:off x="838200" y="386641"/>
-            <a:ext cx="10515600" cy="775186"/>
+            <a:ext cx="10515600" cy="646093"/>
           </a:xfrm>
         </p:spPr>
         <p:txBody>
@@ -4722,7 +5072,11 @@
           </a:bodyPr>
           <a:lstStyle/>
           <a:p>
-            <a:endParaRPr lang="en-US" sz="3600" dirty="0"/>
+            <a:r>
+              <a:rPr lang="en-US" sz="3200" dirty="0" smtClean="0"/>
+              <a:t>Initializing array of structure</a:t>
+            </a:r>
+            <a:endParaRPr lang="en-US" sz="3200" dirty="0"/>
           </a:p>
         </p:txBody>
       </p:sp>
@@ -4738,16 +5092,261 @@
         </p:nvSpPr>
         <p:spPr>
           <a:xfrm>
-            <a:off x="838200" y="1398494"/>
-            <a:ext cx="10515600" cy="4778469"/>
+            <a:off x="838200" y="1032735"/>
+            <a:ext cx="10515600" cy="5152912"/>
           </a:xfrm>
         </p:spPr>
         <p:txBody>
           <a:bodyPr>
-            <a:normAutofit/>
+            <a:normAutofit lnSpcReduction="10000"/>
           </a:bodyPr>
           <a:lstStyle/>
           <a:p>
+            <a:pPr marL="0" indent="0">
+              <a:buNone/>
+            </a:pPr>
+            <a:r>
+              <a:rPr lang="en-US" sz="2400" dirty="0" err="1">
+                <a:latin typeface="+mj-lt"/>
+              </a:rPr>
+              <a:t>struct</a:t>
+            </a:r>
+            <a:r>
+              <a:rPr lang="en-US" sz="2400" dirty="0">
+                <a:latin typeface="+mj-lt"/>
+              </a:rPr>
+              <a:t> student{   </a:t>
+            </a:r>
+            <a:endParaRPr lang="en-US" sz="2400" dirty="0" smtClean="0">
+              <a:latin typeface="+mj-lt"/>
+            </a:endParaRPr>
+          </a:p>
+          <a:p>
+            <a:pPr marL="0" indent="0">
+              <a:buNone/>
+            </a:pPr>
+            <a:r>
+              <a:rPr lang="en-US" sz="2400" dirty="0">
+                <a:latin typeface="+mj-lt"/>
+              </a:rPr>
+              <a:t>	</a:t>
+            </a:r>
+            <a:r>
+              <a:rPr lang="en-US" sz="2400" dirty="0" smtClean="0">
+                <a:latin typeface="+mj-lt"/>
+              </a:rPr>
+              <a:t>char </a:t>
+            </a:r>
+            <a:r>
+              <a:rPr lang="en-US" sz="2400" dirty="0">
+                <a:latin typeface="+mj-lt"/>
+              </a:rPr>
+              <a:t>name[50];    </a:t>
+            </a:r>
+            <a:endParaRPr lang="en-US" sz="2400" dirty="0" smtClean="0">
+              <a:latin typeface="+mj-lt"/>
+            </a:endParaRPr>
+          </a:p>
+          <a:p>
+            <a:pPr marL="0" indent="0">
+              <a:buNone/>
+            </a:pPr>
+            <a:r>
+              <a:rPr lang="en-US" sz="2400" dirty="0">
+                <a:latin typeface="+mj-lt"/>
+              </a:rPr>
+              <a:t>	</a:t>
+            </a:r>
+            <a:r>
+              <a:rPr lang="en-US" sz="2400" dirty="0" err="1" smtClean="0">
+                <a:latin typeface="+mj-lt"/>
+              </a:rPr>
+              <a:t>int</a:t>
+            </a:r>
+            <a:r>
+              <a:rPr lang="en-US" sz="2400" dirty="0" smtClean="0">
+                <a:latin typeface="+mj-lt"/>
+              </a:rPr>
+              <a:t> </a:t>
+            </a:r>
+            <a:r>
+              <a:rPr lang="en-US" sz="2400" dirty="0">
+                <a:latin typeface="+mj-lt"/>
+              </a:rPr>
+              <a:t>roll;    </a:t>
+            </a:r>
+            <a:endParaRPr lang="en-US" sz="2400" dirty="0" smtClean="0">
+              <a:latin typeface="+mj-lt"/>
+            </a:endParaRPr>
+          </a:p>
+          <a:p>
+            <a:pPr marL="0" indent="0">
+              <a:buNone/>
+            </a:pPr>
+            <a:r>
+              <a:rPr lang="en-US" sz="2400" dirty="0">
+                <a:latin typeface="+mj-lt"/>
+              </a:rPr>
+              <a:t>	</a:t>
+            </a:r>
+            <a:r>
+              <a:rPr lang="en-US" sz="2400" dirty="0" smtClean="0">
+                <a:latin typeface="+mj-lt"/>
+              </a:rPr>
+              <a:t>float </a:t>
+            </a:r>
+            <a:r>
+              <a:rPr lang="en-US" sz="2400" dirty="0">
+                <a:latin typeface="+mj-lt"/>
+              </a:rPr>
+              <a:t>marks</a:t>
+            </a:r>
+            <a:r>
+              <a:rPr lang="en-US" sz="2400" dirty="0" smtClean="0">
+                <a:latin typeface="+mj-lt"/>
+              </a:rPr>
+              <a:t>;</a:t>
+            </a:r>
+          </a:p>
+          <a:p>
+            <a:pPr marL="0" indent="0">
+              <a:buNone/>
+            </a:pPr>
+            <a:r>
+              <a:rPr lang="en-US" sz="2400" dirty="0" smtClean="0">
+                <a:latin typeface="+mj-lt"/>
+              </a:rPr>
+              <a:t>};</a:t>
+            </a:r>
+          </a:p>
+          <a:p>
+            <a:pPr marL="0" indent="0">
+              <a:buNone/>
+            </a:pPr>
+            <a:r>
+              <a:rPr lang="en-US" sz="2400" dirty="0" err="1">
+                <a:latin typeface="+mj-lt"/>
+              </a:rPr>
+              <a:t>s</a:t>
+            </a:r>
+            <a:r>
+              <a:rPr lang="en-US" sz="2400" dirty="0" err="1" smtClean="0">
+                <a:latin typeface="+mj-lt"/>
+              </a:rPr>
+              <a:t>truct</a:t>
+            </a:r>
+            <a:r>
+              <a:rPr lang="en-US" sz="2400" dirty="0" smtClean="0">
+                <a:latin typeface="+mj-lt"/>
+              </a:rPr>
+              <a:t> student </a:t>
+            </a:r>
+            <a:r>
+              <a:rPr lang="en-US" sz="2400" dirty="0" err="1" smtClean="0">
+                <a:latin typeface="+mj-lt"/>
+              </a:rPr>
+              <a:t>stu</a:t>
+            </a:r>
+            <a:r>
+              <a:rPr lang="en-US" sz="2400" dirty="0" smtClean="0">
+                <a:latin typeface="+mj-lt"/>
+              </a:rPr>
+              <a:t>[5]={</a:t>
+            </a:r>
+          </a:p>
+          <a:p>
+            <a:pPr marL="0" indent="0">
+              <a:buNone/>
+            </a:pPr>
+            <a:r>
+              <a:rPr lang="en-US" sz="2400" b="1" dirty="0" smtClean="0">
+                <a:latin typeface="+mj-lt"/>
+              </a:rPr>
+              <a:t>	“Ram”, 200,150.5;</a:t>
+            </a:r>
+            <a:endParaRPr lang="en-US" sz="2400" b="1" dirty="0">
+              <a:latin typeface="+mj-lt"/>
+            </a:endParaRPr>
+          </a:p>
+          <a:p>
+            <a:pPr marL="0" indent="0">
+              <a:buNone/>
+            </a:pPr>
+            <a:r>
+              <a:rPr lang="en-US" sz="2400" dirty="0"/>
+              <a:t>	</a:t>
+            </a:r>
+            <a:r>
+              <a:rPr lang="en-US" sz="2400" dirty="0" smtClean="0"/>
+              <a:t>“Rahim”, 220,250.5</a:t>
+            </a:r>
+            <a:r>
+              <a:rPr lang="en-US" sz="2400" dirty="0"/>
+              <a:t>;</a:t>
+            </a:r>
+          </a:p>
+          <a:p>
+            <a:pPr marL="0" indent="0">
+              <a:buNone/>
+            </a:pPr>
+            <a:r>
+              <a:rPr lang="en-US" sz="2400" dirty="0"/>
+              <a:t>	</a:t>
+            </a:r>
+            <a:r>
+              <a:rPr lang="en-US" sz="2400" dirty="0" smtClean="0"/>
+              <a:t>“</a:t>
+            </a:r>
+            <a:r>
+              <a:rPr lang="en-US" sz="2400" dirty="0" err="1" smtClean="0"/>
+              <a:t>kasprowich</a:t>
+            </a:r>
+            <a:r>
+              <a:rPr lang="en-US" sz="2400" dirty="0" smtClean="0"/>
+              <a:t>”, 210,250.4;</a:t>
+            </a:r>
+            <a:endParaRPr lang="en-US" sz="2400" dirty="0"/>
+          </a:p>
+          <a:p>
+            <a:pPr marL="0" indent="0">
+              <a:buNone/>
+            </a:pPr>
+            <a:r>
+              <a:rPr lang="en-US" sz="2400" dirty="0"/>
+              <a:t>	</a:t>
+            </a:r>
+            <a:r>
+              <a:rPr lang="en-US" sz="2400" dirty="0" smtClean="0"/>
+              <a:t>“Smith”, 300,350.1;</a:t>
+            </a:r>
+            <a:endParaRPr lang="en-US" sz="2400" dirty="0"/>
+          </a:p>
+          <a:p>
+            <a:pPr marL="0" indent="0">
+              <a:buNone/>
+            </a:pPr>
+            <a:r>
+              <a:rPr lang="en-US" sz="2400" dirty="0"/>
+              <a:t>	</a:t>
+            </a:r>
+            <a:r>
+              <a:rPr lang="en-US" sz="2400" dirty="0" smtClean="0"/>
+              <a:t>“Steven”, 400,120.5;</a:t>
+            </a:r>
+            <a:endParaRPr lang="en-US" sz="2400" dirty="0" smtClean="0">
+              <a:latin typeface="+mj-lt"/>
+            </a:endParaRPr>
+          </a:p>
+          <a:p>
+            <a:pPr marL="0" indent="0">
+              <a:buNone/>
+            </a:pPr>
+            <a:r>
+              <a:rPr lang="en-US" sz="2400" dirty="0" smtClean="0">
+                <a:latin typeface="+mj-lt"/>
+              </a:rPr>
+              <a:t>}</a:t>
+            </a:r>
             <a:endParaRPr lang="en-US" sz="2400" dirty="0">
               <a:latin typeface="+mj-lt"/>
             </a:endParaRPr>
@@ -4849,17 +5448,32 @@
         </p:nvSpPr>
         <p:spPr>
           <a:xfrm>
-            <a:off x="838200" y="386641"/>
+            <a:off x="838200" y="117700"/>
             <a:ext cx="10515600" cy="775186"/>
           </a:xfrm>
         </p:spPr>
         <p:txBody>
           <a:bodyPr>
-            <a:normAutofit/>
+            <a:normAutofit fontScale="90000"/>
           </a:bodyPr>
           <a:lstStyle/>
           <a:p>
-            <a:endParaRPr lang="en-US" sz="3600" dirty="0"/>
+            <a:r>
+              <a:rPr lang="en-US" sz="2800" dirty="0"/>
+              <a:t>Structure within structure (Nested Structure</a:t>
+            </a:r>
+            <a:r>
+              <a:rPr lang="en-US" sz="2800" dirty="0" smtClean="0"/>
+              <a:t>)</a:t>
+            </a:r>
+            <a:br>
+              <a:rPr lang="en-US" sz="2800" dirty="0" smtClean="0"/>
+            </a:br>
+            <a:r>
+              <a:rPr lang="en-US" sz="2800" dirty="0" smtClean="0"/>
+              <a:t> </a:t>
+            </a:r>
+            <a:endParaRPr lang="en-US" sz="2800" dirty="0"/>
           </a:p>
         </p:txBody>
       </p:sp>
@@ -4875,8 +5489,8 @@
         </p:nvSpPr>
         <p:spPr>
           <a:xfrm>
-            <a:off x="838200" y="1398494"/>
-            <a:ext cx="10515600" cy="4778469"/>
+            <a:off x="838200" y="817581"/>
+            <a:ext cx="10515600" cy="5359383"/>
           </a:xfrm>
         </p:spPr>
         <p:txBody>
@@ -4885,10 +5499,58 @@
           </a:bodyPr>
           <a:lstStyle/>
           <a:p>
+            <a:r>
+              <a:rPr lang="en-US" sz="2400" dirty="0">
+                <a:latin typeface="+mj-lt"/>
+              </a:rPr>
+              <a:t>Structure written inside another structure is called as nesting of two structures.</a:t>
+            </a:r>
+          </a:p>
+          <a:p>
+            <a:r>
+              <a:rPr lang="en-US" sz="2400" dirty="0">
+                <a:latin typeface="+mj-lt"/>
+              </a:rPr>
+              <a:t>Nested Structures are allowed in C Programming Language.</a:t>
+            </a:r>
+          </a:p>
+          <a:p>
+            <a:r>
+              <a:rPr lang="en-US" sz="2400" dirty="0">
+                <a:latin typeface="+mj-lt"/>
+              </a:rPr>
+              <a:t>We can write one Structure inside another structure as member of another structure</a:t>
+            </a:r>
+            <a:r>
+              <a:rPr lang="en-US" sz="2400" dirty="0" smtClean="0">
+                <a:latin typeface="+mj-lt"/>
+              </a:rPr>
+              <a:t>.</a:t>
+            </a:r>
             <a:endParaRPr lang="en-US" sz="2400" dirty="0">
               <a:latin typeface="+mj-lt"/>
             </a:endParaRPr>
           </a:p>
+          <a:p>
+            <a:r>
+              <a:rPr lang="en-US" sz="2400" dirty="0" smtClean="0">
+                <a:latin typeface="+mj-lt"/>
+              </a:rPr>
+              <a:t>Ex:</a:t>
+            </a:r>
+          </a:p>
+          <a:p>
+            <a:pPr marL="0" indent="0">
+              <a:buNone/>
+            </a:pPr>
+            <a:r>
+              <a:rPr lang="en-US" sz="2400" dirty="0" smtClean="0"/>
+              <a:t>		</a:t>
+            </a:r>
+            <a:endParaRPr lang="en-US" sz="2400" dirty="0">
+              <a:latin typeface="+mj-lt"/>
+            </a:endParaRPr>
+          </a:p>
         </p:txBody>
       </p:sp>
       <p:sp>
@@ -4937,6 +5599,249 @@
           </a:p>
         </p:txBody>
       </p:sp>
+      <p:graphicFrame>
+        <p:nvGraphicFramePr>
+          <p:cNvPr id="6" name="Table 5"/>
+          <p:cNvGraphicFramePr>
+            <a:graphicFrameLocks noGrp="1"/>
+          </p:cNvGraphicFramePr>
+          <p:nvPr>
+            <p:extLst>
+              <p:ext uri="{D42A27DB-BD31-4B8C-83A1-F6EECF244321}">
+                <p14:modId xmlns:p14="http://schemas.microsoft.com/office/powerpoint/2010/main" val="1414009260"/>
+              </p:ext>
+            </p:extLst>
+          </p:nvPr>
+        </p:nvGraphicFramePr>
+        <p:xfrm>
+          <a:off x="2032000" y="3344532"/>
+          <a:ext cx="8128000" cy="2286000"/>
+        </p:xfrm>
+        <a:graphic>
+          <a:graphicData uri="http://schemas.openxmlformats.org/drawingml/2006/table">
+            <a:tbl>
+              <a:tblPr firstRow="1" bandRow="1">
+                <a:tableStyleId>{5C22544A-7EE6-4342-B048-85BDC9FD1C3A}</a:tableStyleId>
+              </a:tblPr>
+              <a:tblGrid>
+                <a:gridCol w="4064000"/>
+                <a:gridCol w="4064000"/>
+              </a:tblGrid>
+              <a:tr h="370840">
+                <a:tc>
+                  <a:txBody>
+                    <a:bodyPr/>
+                    <a:lstStyle/>
+                    <a:p>
+                      <a:pPr marL="0" indent="0">
+                        <a:buNone/>
+                      </a:pPr>
+                      <a:r>
+                        <a:rPr lang="en-US" sz="1800" dirty="0" err="1" smtClean="0"/>
+                        <a:t>struct</a:t>
+                      </a:r>
+                      <a:r>
+                        <a:rPr lang="en-US" sz="1800" dirty="0" smtClean="0"/>
+                        <a:t> date</a:t>
+                      </a:r>
+                    </a:p>
+                    <a:p>
+                      <a:pPr marL="0" indent="0">
+                        <a:buNone/>
+                      </a:pPr>
+                      <a:r>
+                        <a:rPr lang="en-US" sz="1800" dirty="0" smtClean="0"/>
+                        <a:t>	{</a:t>
+                      </a:r>
+                    </a:p>
+                    <a:p>
+                      <a:pPr marL="0" indent="0">
+                        <a:buNone/>
+                      </a:pPr>
+                      <a:r>
+                        <a:rPr lang="en-US" sz="1800" dirty="0" smtClean="0"/>
+                        <a:t>	   </a:t>
+                      </a:r>
+                      <a:r>
+                        <a:rPr lang="en-US" sz="1800" dirty="0" err="1" smtClean="0"/>
+                        <a:t>int</a:t>
+                      </a:r>
+                      <a:r>
+                        <a:rPr lang="en-US" sz="1800" dirty="0" smtClean="0"/>
+                        <a:t> date;</a:t>
+                      </a:r>
+                    </a:p>
+                    <a:p>
+                      <a:pPr marL="0" indent="0">
+                        <a:buNone/>
+                      </a:pPr>
+                      <a:r>
+                        <a:rPr lang="en-US" sz="1800" dirty="0" smtClean="0"/>
+                        <a:t>	   </a:t>
+                      </a:r>
+                      <a:r>
+                        <a:rPr lang="en-US" sz="1800" dirty="0" err="1" smtClean="0"/>
+                        <a:t>int</a:t>
+                      </a:r>
+                      <a:r>
+                        <a:rPr lang="en-US" sz="1800" dirty="0" smtClean="0"/>
+                        <a:t> month;</a:t>
+                      </a:r>
+                    </a:p>
+                    <a:p>
+                      <a:pPr marL="0" indent="0">
+                        <a:buNone/>
+                      </a:pPr>
+                      <a:r>
+                        <a:rPr lang="en-US" sz="1800" dirty="0" smtClean="0"/>
+                        <a:t>	   </a:t>
+                      </a:r>
+                      <a:r>
+                        <a:rPr lang="en-US" sz="1800" dirty="0" err="1" smtClean="0"/>
+                        <a:t>int</a:t>
+                      </a:r>
+                      <a:r>
+                        <a:rPr lang="en-US" sz="1800" dirty="0" smtClean="0"/>
+                        <a:t> year; </a:t>
+                      </a:r>
+                    </a:p>
+                    <a:p>
+                      <a:pPr marL="0" indent="0">
+                        <a:buNone/>
+                      </a:pPr>
+                      <a:r>
+                        <a:rPr lang="en-US" sz="1800" dirty="0" smtClean="0"/>
+                        <a:t>	};</a:t>
+                      </a:r>
+                    </a:p>
+                    <a:p>
+                      <a:endParaRPr lang="en-US" dirty="0"/>
+                    </a:p>
+                  </a:txBody>
+                  <a:tcPr/>
+                </a:tc>
+                <a:tc>
+                  <a:txBody>
+                    <a:bodyPr/>
+                    <a:lstStyle/>
+                    <a:p>
+                      <a:pPr marL="0" indent="0">
+                        <a:buNone/>
+                      </a:pPr>
+                      <a:r>
+                        <a:rPr lang="en-US" sz="1800" dirty="0" err="1" smtClean="0"/>
+                        <a:t>struct</a:t>
+                      </a:r>
+                      <a:r>
+                        <a:rPr lang="en-US" sz="1800" dirty="0" smtClean="0"/>
+                        <a:t> Employee</a:t>
+                      </a:r>
+                    </a:p>
+                    <a:p>
+                      <a:pPr marL="0" indent="0">
+                        <a:buNone/>
+                      </a:pPr>
+                      <a:r>
+                        <a:rPr lang="en-US" sz="1800" dirty="0" smtClean="0"/>
+                        <a:t>	   {</a:t>
+                      </a:r>
+                    </a:p>
+                    <a:p>
+                      <a:pPr marL="0" indent="0">
+                        <a:buNone/>
+                      </a:pPr>
+                      <a:r>
+                        <a:rPr lang="en-US" sz="1800" dirty="0" smtClean="0"/>
+                        <a:t>	   char </a:t>
+                      </a:r>
+                      <a:r>
+                        <a:rPr lang="en-US" sz="1800" dirty="0" err="1" smtClean="0"/>
+                        <a:t>ename</a:t>
+                      </a:r>
+                      <a:r>
+                        <a:rPr lang="en-US" sz="1800" dirty="0" smtClean="0"/>
+                        <a:t>[20];</a:t>
+                      </a:r>
+                    </a:p>
+                    <a:p>
+                      <a:pPr marL="0" indent="0">
+                        <a:buNone/>
+                      </a:pPr>
+                      <a:r>
+                        <a:rPr lang="en-US" sz="1800" dirty="0" smtClean="0"/>
+                        <a:t>	   </a:t>
+                      </a:r>
+                      <a:r>
+                        <a:rPr lang="en-US" sz="1800" dirty="0" err="1" smtClean="0"/>
+                        <a:t>int</a:t>
+                      </a:r>
+                      <a:r>
+                        <a:rPr lang="en-US" sz="1800" dirty="0" smtClean="0"/>
+                        <a:t> </a:t>
+                      </a:r>
+                      <a:r>
+                        <a:rPr lang="en-US" sz="1800" dirty="0" err="1" smtClean="0"/>
+                        <a:t>ssn</a:t>
+                      </a:r>
+                      <a:r>
+                        <a:rPr lang="en-US" sz="1800" dirty="0" smtClean="0"/>
+                        <a:t>;</a:t>
+                      </a:r>
+                    </a:p>
+                    <a:p>
+                      <a:pPr marL="0" indent="0">
+                        <a:buNone/>
+                      </a:pPr>
+                      <a:r>
+                        <a:rPr lang="en-US" sz="1800" dirty="0" smtClean="0"/>
+                        <a:t>	   float salary;</a:t>
+                      </a:r>
+                    </a:p>
+                    <a:p>
+                      <a:pPr marL="0" indent="0">
+                        <a:buNone/>
+                      </a:pPr>
+                      <a:r>
+                        <a:rPr lang="en-US" sz="1800" dirty="0" smtClean="0"/>
+                        <a:t>	   </a:t>
+                      </a:r>
+                      <a:r>
+                        <a:rPr lang="en-US" sz="1800" dirty="0" err="1" smtClean="0"/>
+                        <a:t>struct</a:t>
+                      </a:r>
+                      <a:r>
+                        <a:rPr lang="en-US" sz="1800" dirty="0" smtClean="0"/>
+                        <a:t> date </a:t>
+                      </a:r>
+                      <a:r>
+                        <a:rPr lang="en-US" sz="1800" dirty="0" err="1" smtClean="0"/>
+                        <a:t>doj</a:t>
+                      </a:r>
+                      <a:r>
+                        <a:rPr lang="en-US" sz="1800" dirty="0" smtClean="0"/>
+                        <a:t>;</a:t>
+                      </a:r>
+                    </a:p>
+                    <a:p>
+                      <a:pPr marL="0" indent="0">
+                        <a:buNone/>
+                      </a:pPr>
+                      <a:r>
+                        <a:rPr lang="en-US" sz="1800" dirty="0" smtClean="0"/>
+                        <a:t>	}emp1;</a:t>
+                      </a:r>
+                    </a:p>
+                    <a:p>
+                      <a:endParaRPr lang="en-US" dirty="0"/>
+                    </a:p>
+                  </a:txBody>
+                  <a:tcPr/>
+                </a:tc>
+              </a:tr>
+            </a:tbl>
+          </a:graphicData>
+        </a:graphic>
+      </p:graphicFrame>
     </p:spTree>
     <p:extLst>
       <p:ext uri="{BB962C8B-B14F-4D97-AF65-F5344CB8AC3E}">
@@ -4976,104 +5881,1345 @@
       </p:grpSpPr>
       <p:sp>
         <p:nvSpPr>
-          <p:cNvPr id="2" name="Title 1"/>
-          <p:cNvSpPr>
-            <a:spLocks noGrp="1"/>
-          </p:cNvSpPr>
-          <p:nvPr>
-            <p:ph type="title"/>
-          </p:nvPr>
+          <p:cNvPr id="4" name="Footer Placeholder 3"/>
+          <p:cNvSpPr>
+            <a:spLocks noGrp="1"/>
+          </p:cNvSpPr>
+          <p:nvPr>
+            <p:ph type="ftr" sz="quarter" idx="11"/>
+          </p:nvPr>
+        </p:nvSpPr>
+        <p:spPr/>
+        <p:txBody>
+          <a:bodyPr/>
+          <a:lstStyle/>
+          <a:p>
+            <a:r>
+              <a:rPr lang="en-US" smtClean="0"/>
+              <a:t>Ashim Lamichhane</a:t>
+            </a:r>
+            <a:endParaRPr lang="en-US"/>
+          </a:p>
+        </p:txBody>
+      </p:sp>
+      <p:sp>
+        <p:nvSpPr>
+          <p:cNvPr id="5" name="Slide Number Placeholder 4"/>
+          <p:cNvSpPr>
+            <a:spLocks noGrp="1"/>
+          </p:cNvSpPr>
+          <p:nvPr>
+            <p:ph type="sldNum" sz="quarter" idx="12"/>
+          </p:nvPr>
+        </p:nvSpPr>
+        <p:spPr/>
+        <p:txBody>
+          <a:bodyPr/>
+          <a:lstStyle/>
+          <a:p>
+            <a:fld id="{7D094B80-DE71-CC46-B9B3-AF1864E96B56}" type="slidenum">
+              <a:rPr lang="en-US" smtClean="0"/>
+              <a:t>18</a:t>
+            </a:fld>
+            <a:endParaRPr lang="en-US"/>
+          </a:p>
+        </p:txBody>
+      </p:sp>
+      <p:sp>
+        <p:nvSpPr>
+          <p:cNvPr id="6" name="Rectangle 5"/>
+          <p:cNvSpPr/>
+          <p:nvPr/>
         </p:nvSpPr>
         <p:spPr>
           <a:xfrm>
-            <a:off x="838200" y="386641"/>
-            <a:ext cx="10515600" cy="775186"/>
+            <a:off x="301210" y="365757"/>
+            <a:ext cx="1516828" cy="570155"/>
           </a:xfrm>
+          <a:prstGeom prst="rect">
+            <a:avLst/>
+          </a:prstGeom>
+          <a:noFill/>
         </p:spPr>
-        <p:txBody>
-          <a:bodyPr>
-            <a:normAutofit/>
-          </a:bodyPr>
-          <a:lstStyle/>
-          <a:p>
-            <a:endParaRPr lang="en-US" sz="3600" dirty="0"/>
-          </a:p>
-        </p:txBody>
-      </p:sp>
-      <p:sp>
-        <p:nvSpPr>
-          <p:cNvPr id="3" name="Content Placeholder 2"/>
-          <p:cNvSpPr>
-            <a:spLocks noGrp="1"/>
-          </p:cNvSpPr>
-          <p:nvPr>
-            <p:ph idx="1"/>
-          </p:nvPr>
+        <p:style>
+          <a:lnRef idx="2">
+            <a:schemeClr val="accent1">
+              <a:shade val="50000"/>
+            </a:schemeClr>
+          </a:lnRef>
+          <a:fillRef idx="1">
+            <a:schemeClr val="accent1"/>
+          </a:fillRef>
+          <a:effectRef idx="0">
+            <a:schemeClr val="accent1"/>
+          </a:effectRef>
+          <a:fontRef idx="minor">
+            <a:schemeClr val="lt1"/>
+          </a:fontRef>
+        </p:style>
+        <p:txBody>
+          <a:bodyPr rtlCol="0" anchor="ctr"/>
+          <a:lstStyle/>
+          <a:p>
+            <a:pPr algn="ctr"/>
+            <a:endParaRPr lang="en-US"/>
+          </a:p>
+        </p:txBody>
+      </p:sp>
+      <p:sp>
+        <p:nvSpPr>
+          <p:cNvPr id="7" name="Rectangle 6"/>
+          <p:cNvSpPr/>
+          <p:nvPr/>
         </p:nvSpPr>
         <p:spPr>
           <a:xfrm>
-            <a:off x="838200" y="1398494"/>
-            <a:ext cx="10515600" cy="4778469"/>
+            <a:off x="1805482" y="1228163"/>
+            <a:ext cx="1516828" cy="570155"/>
           </a:xfrm>
+          <a:prstGeom prst="rect">
+            <a:avLst/>
+          </a:prstGeom>
+          <a:noFill/>
         </p:spPr>
-        <p:txBody>
-          <a:bodyPr>
-            <a:normAutofit/>
+        <p:style>
+          <a:lnRef idx="2">
+            <a:schemeClr val="accent1">
+              <a:shade val="50000"/>
+            </a:schemeClr>
+          </a:lnRef>
+          <a:fillRef idx="1">
+            <a:schemeClr val="accent1"/>
+          </a:fillRef>
+          <a:effectRef idx="0">
+            <a:schemeClr val="accent1"/>
+          </a:effectRef>
+          <a:fontRef idx="minor">
+            <a:schemeClr val="lt1"/>
+          </a:fontRef>
+        </p:style>
+        <p:txBody>
+          <a:bodyPr rtlCol="0" anchor="ctr"/>
+          <a:lstStyle/>
+          <a:p>
+            <a:pPr algn="ctr"/>
+            <a:endParaRPr lang="en-US"/>
+          </a:p>
+        </p:txBody>
+      </p:sp>
+      <p:sp>
+        <p:nvSpPr>
+          <p:cNvPr id="8" name="Rectangle 7"/>
+          <p:cNvSpPr/>
+          <p:nvPr/>
+        </p:nvSpPr>
+        <p:spPr>
+          <a:xfrm>
+            <a:off x="1809070" y="2079811"/>
+            <a:ext cx="1516828" cy="570155"/>
+          </a:xfrm>
+          <a:prstGeom prst="rect">
+            <a:avLst/>
+          </a:prstGeom>
+          <a:noFill/>
+        </p:spPr>
+        <p:style>
+          <a:lnRef idx="2">
+            <a:schemeClr val="accent1">
+              <a:shade val="50000"/>
+            </a:schemeClr>
+          </a:lnRef>
+          <a:fillRef idx="1">
+            <a:schemeClr val="accent1"/>
+          </a:fillRef>
+          <a:effectRef idx="0">
+            <a:schemeClr val="accent1"/>
+          </a:effectRef>
+          <a:fontRef idx="minor">
+            <a:schemeClr val="lt1"/>
+          </a:fontRef>
+        </p:style>
+        <p:txBody>
+          <a:bodyPr rtlCol="0" anchor="ctr"/>
+          <a:lstStyle/>
+          <a:p>
+            <a:pPr algn="ctr"/>
+            <a:endParaRPr lang="en-US"/>
+          </a:p>
+        </p:txBody>
+      </p:sp>
+      <p:sp>
+        <p:nvSpPr>
+          <p:cNvPr id="9" name="Rectangle 8"/>
+          <p:cNvSpPr/>
+          <p:nvPr/>
+        </p:nvSpPr>
+        <p:spPr>
+          <a:xfrm>
+            <a:off x="1819829" y="2983455"/>
+            <a:ext cx="1516828" cy="570155"/>
+          </a:xfrm>
+          <a:prstGeom prst="rect">
+            <a:avLst/>
+          </a:prstGeom>
+          <a:noFill/>
+        </p:spPr>
+        <p:style>
+          <a:lnRef idx="2">
+            <a:schemeClr val="accent1">
+              <a:shade val="50000"/>
+            </a:schemeClr>
+          </a:lnRef>
+          <a:fillRef idx="1">
+            <a:schemeClr val="accent1"/>
+          </a:fillRef>
+          <a:effectRef idx="0">
+            <a:schemeClr val="accent1"/>
+          </a:effectRef>
+          <a:fontRef idx="minor">
+            <a:schemeClr val="lt1"/>
+          </a:fontRef>
+        </p:style>
+        <p:txBody>
+          <a:bodyPr rtlCol="0" anchor="ctr"/>
+          <a:lstStyle/>
+          <a:p>
+            <a:pPr algn="ctr"/>
+            <a:endParaRPr lang="en-US"/>
+          </a:p>
+        </p:txBody>
+      </p:sp>
+      <p:sp>
+        <p:nvSpPr>
+          <p:cNvPr id="10" name="Rectangle 9"/>
+          <p:cNvSpPr/>
+          <p:nvPr/>
+        </p:nvSpPr>
+        <p:spPr>
+          <a:xfrm>
+            <a:off x="1810861" y="3824346"/>
+            <a:ext cx="1516828" cy="570155"/>
+          </a:xfrm>
+          <a:prstGeom prst="rect">
+            <a:avLst/>
+          </a:prstGeom>
+          <a:noFill/>
+        </p:spPr>
+        <p:style>
+          <a:lnRef idx="2">
+            <a:schemeClr val="accent1">
+              <a:shade val="50000"/>
+            </a:schemeClr>
+          </a:lnRef>
+          <a:fillRef idx="1">
+            <a:schemeClr val="accent1"/>
+          </a:fillRef>
+          <a:effectRef idx="0">
+            <a:schemeClr val="accent1"/>
+          </a:effectRef>
+          <a:fontRef idx="minor">
+            <a:schemeClr val="lt1"/>
+          </a:fontRef>
+        </p:style>
+        <p:txBody>
+          <a:bodyPr rtlCol="0" anchor="ctr"/>
+          <a:lstStyle/>
+          <a:p>
+            <a:pPr algn="ctr"/>
+            <a:endParaRPr lang="en-US"/>
+          </a:p>
+        </p:txBody>
+      </p:sp>
+      <p:cxnSp>
+        <p:nvCxnSpPr>
+          <p:cNvPr id="12" name="Straight Connector 11"/>
+          <p:cNvCxnSpPr>
+            <a:stCxn id="6" idx="2"/>
+          </p:cNvCxnSpPr>
+          <p:nvPr/>
+        </p:nvCxnSpPr>
+        <p:spPr>
+          <a:xfrm>
+            <a:off x="1059624" y="935912"/>
+            <a:ext cx="0" cy="3173511"/>
+          </a:xfrm>
+          <a:prstGeom prst="line">
+            <a:avLst/>
+          </a:prstGeom>
+        </p:spPr>
+        <p:style>
+          <a:lnRef idx="1">
+            <a:schemeClr val="accent1"/>
+          </a:lnRef>
+          <a:fillRef idx="0">
+            <a:schemeClr val="accent1"/>
+          </a:fillRef>
+          <a:effectRef idx="0">
+            <a:schemeClr val="accent1"/>
+          </a:effectRef>
+          <a:fontRef idx="minor">
+            <a:schemeClr val="tx1"/>
+          </a:fontRef>
+        </p:style>
+      </p:cxnSp>
+      <p:cxnSp>
+        <p:nvCxnSpPr>
+          <p:cNvPr id="14" name="Straight Arrow Connector 13"/>
+          <p:cNvCxnSpPr>
+            <a:endCxn id="7" idx="1"/>
+          </p:cNvCxnSpPr>
+          <p:nvPr/>
+        </p:nvCxnSpPr>
+        <p:spPr>
+          <a:xfrm>
+            <a:off x="1047068" y="1513240"/>
+            <a:ext cx="758414" cy="1"/>
+          </a:xfrm>
+          <a:prstGeom prst="straightConnector1">
+            <a:avLst/>
+          </a:prstGeom>
+          <a:ln>
+            <a:tailEnd type="triangle"/>
+          </a:ln>
+        </p:spPr>
+        <p:style>
+          <a:lnRef idx="1">
+            <a:schemeClr val="accent1"/>
+          </a:lnRef>
+          <a:fillRef idx="0">
+            <a:schemeClr val="accent1"/>
+          </a:fillRef>
+          <a:effectRef idx="0">
+            <a:schemeClr val="accent1"/>
+          </a:effectRef>
+          <a:fontRef idx="minor">
+            <a:schemeClr val="tx1"/>
+          </a:fontRef>
+        </p:style>
+      </p:cxnSp>
+      <p:cxnSp>
+        <p:nvCxnSpPr>
+          <p:cNvPr id="15" name="Straight Arrow Connector 14"/>
+          <p:cNvCxnSpPr/>
+          <p:nvPr/>
+        </p:nvCxnSpPr>
+        <p:spPr>
+          <a:xfrm>
+            <a:off x="1050659" y="2364888"/>
+            <a:ext cx="758414" cy="1"/>
+          </a:xfrm>
+          <a:prstGeom prst="straightConnector1">
+            <a:avLst/>
+          </a:prstGeom>
+          <a:ln>
+            <a:tailEnd type="triangle"/>
+          </a:ln>
+        </p:spPr>
+        <p:style>
+          <a:lnRef idx="1">
+            <a:schemeClr val="accent1"/>
+          </a:lnRef>
+          <a:fillRef idx="0">
+            <a:schemeClr val="accent1"/>
+          </a:fillRef>
+          <a:effectRef idx="0">
+            <a:schemeClr val="accent1"/>
+          </a:effectRef>
+          <a:fontRef idx="minor">
+            <a:schemeClr val="tx1"/>
+          </a:fontRef>
+        </p:style>
+      </p:cxnSp>
+      <p:cxnSp>
+        <p:nvCxnSpPr>
+          <p:cNvPr id="16" name="Straight Arrow Connector 15"/>
+          <p:cNvCxnSpPr/>
+          <p:nvPr/>
+        </p:nvCxnSpPr>
+        <p:spPr>
+          <a:xfrm>
+            <a:off x="1061416" y="3257771"/>
+            <a:ext cx="758414" cy="1"/>
+          </a:xfrm>
+          <a:prstGeom prst="straightConnector1">
+            <a:avLst/>
+          </a:prstGeom>
+          <a:ln>
+            <a:tailEnd type="triangle"/>
+          </a:ln>
+        </p:spPr>
+        <p:style>
+          <a:lnRef idx="1">
+            <a:schemeClr val="accent1"/>
+          </a:lnRef>
+          <a:fillRef idx="0">
+            <a:schemeClr val="accent1"/>
+          </a:fillRef>
+          <a:effectRef idx="0">
+            <a:schemeClr val="accent1"/>
+          </a:effectRef>
+          <a:fontRef idx="minor">
+            <a:schemeClr val="tx1"/>
+          </a:fontRef>
+        </p:style>
+      </p:cxnSp>
+      <p:cxnSp>
+        <p:nvCxnSpPr>
+          <p:cNvPr id="17" name="Straight Arrow Connector 16"/>
+          <p:cNvCxnSpPr/>
+          <p:nvPr/>
+        </p:nvCxnSpPr>
+        <p:spPr>
+          <a:xfrm>
+            <a:off x="1052451" y="4109420"/>
+            <a:ext cx="758414" cy="1"/>
+          </a:xfrm>
+          <a:prstGeom prst="straightConnector1">
+            <a:avLst/>
+          </a:prstGeom>
+          <a:ln>
+            <a:tailEnd type="triangle"/>
+          </a:ln>
+        </p:spPr>
+        <p:style>
+          <a:lnRef idx="1">
+            <a:schemeClr val="accent1"/>
+          </a:lnRef>
+          <a:fillRef idx="0">
+            <a:schemeClr val="accent1"/>
+          </a:fillRef>
+          <a:effectRef idx="0">
+            <a:schemeClr val="accent1"/>
+          </a:effectRef>
+          <a:fontRef idx="minor">
+            <a:schemeClr val="tx1"/>
+          </a:fontRef>
+        </p:style>
+      </p:cxnSp>
+      <p:sp>
+        <p:nvSpPr>
+          <p:cNvPr id="18" name="TextBox 17"/>
+          <p:cNvSpPr txBox="1"/>
+          <p:nvPr/>
+        </p:nvSpPr>
+        <p:spPr>
+          <a:xfrm>
+            <a:off x="647748" y="487683"/>
+            <a:ext cx="823752" cy="369332"/>
+          </a:xfrm>
+          <a:prstGeom prst="rect">
+            <a:avLst/>
+          </a:prstGeom>
+          <a:noFill/>
+        </p:spPr>
+        <p:txBody>
+          <a:bodyPr wrap="none" rtlCol="0">
+            <a:spAutoFit/>
           </a:bodyPr>
           <a:lstStyle/>
           <a:p>
-            <a:endParaRPr lang="en-US" sz="2400" dirty="0">
-              <a:latin typeface="+mj-lt"/>
-            </a:endParaRPr>
-          </a:p>
-        </p:txBody>
-      </p:sp>
-      <p:sp>
-        <p:nvSpPr>
-          <p:cNvPr id="4" name="Footer Placeholder 3"/>
-          <p:cNvSpPr>
-            <a:spLocks noGrp="1"/>
-          </p:cNvSpPr>
-          <p:nvPr>
-            <p:ph type="ftr" sz="quarter" idx="11"/>
-          </p:nvPr>
-        </p:nvSpPr>
-        <p:spPr/>
-        <p:txBody>
-          <a:bodyPr/>
-          <a:lstStyle/>
-          <a:p>
-            <a:r>
-              <a:rPr lang="en-US" smtClean="0"/>
-              <a:t>Ashim Lamichhane</a:t>
-            </a:r>
-            <a:endParaRPr lang="en-US"/>
-          </a:p>
-        </p:txBody>
-      </p:sp>
-      <p:sp>
-        <p:nvSpPr>
-          <p:cNvPr id="5" name="Slide Number Placeholder 4"/>
-          <p:cNvSpPr>
-            <a:spLocks noGrp="1"/>
-          </p:cNvSpPr>
-          <p:nvPr>
-            <p:ph type="sldNum" sz="quarter" idx="12"/>
-          </p:nvPr>
-        </p:nvSpPr>
-        <p:spPr/>
-        <p:txBody>
-          <a:bodyPr/>
-          <a:lstStyle/>
-          <a:p>
-            <a:fld id="{7D094B80-DE71-CC46-B9B3-AF1864E96B56}" type="slidenum">
-              <a:rPr lang="en-US" smtClean="0"/>
-              <a:t>18</a:t>
-            </a:fld>
-            <a:endParaRPr lang="en-US"/>
-          </a:p>
-        </p:txBody>
-      </p:sp>
+            <a:r>
+              <a:rPr lang="en-US" smtClean="0"/>
+              <a:t>Person</a:t>
+            </a:r>
+            <a:endParaRPr lang="en-US"/>
+          </a:p>
+        </p:txBody>
+      </p:sp>
+      <p:sp>
+        <p:nvSpPr>
+          <p:cNvPr id="19" name="TextBox 18"/>
+          <p:cNvSpPr txBox="1"/>
+          <p:nvPr/>
+        </p:nvSpPr>
+        <p:spPr>
+          <a:xfrm>
+            <a:off x="2117565" y="1329471"/>
+            <a:ext cx="744114" cy="369332"/>
+          </a:xfrm>
+          <a:prstGeom prst="rect">
+            <a:avLst/>
+          </a:prstGeom>
+          <a:noFill/>
+        </p:spPr>
+        <p:txBody>
+          <a:bodyPr wrap="none" rtlCol="0">
+            <a:spAutoFit/>
+          </a:bodyPr>
+          <a:lstStyle/>
+          <a:p>
+            <a:r>
+              <a:rPr lang="en-US" smtClean="0"/>
+              <a:t>Name</a:t>
+            </a:r>
+            <a:endParaRPr lang="en-US"/>
+          </a:p>
+        </p:txBody>
+      </p:sp>
+      <p:sp>
+        <p:nvSpPr>
+          <p:cNvPr id="20" name="TextBox 19"/>
+          <p:cNvSpPr txBox="1"/>
+          <p:nvPr/>
+        </p:nvSpPr>
+        <p:spPr>
+          <a:xfrm>
+            <a:off x="2117565" y="3073105"/>
+            <a:ext cx="364202" cy="369332"/>
+          </a:xfrm>
+          <a:prstGeom prst="rect">
+            <a:avLst/>
+          </a:prstGeom>
+          <a:noFill/>
+        </p:spPr>
+        <p:txBody>
+          <a:bodyPr wrap="none" rtlCol="0">
+            <a:spAutoFit/>
+          </a:bodyPr>
+          <a:lstStyle/>
+          <a:p>
+            <a:r>
+              <a:rPr lang="en-US" dirty="0" smtClean="0"/>
+              <a:t>Id</a:t>
+            </a:r>
+            <a:endParaRPr lang="en-US" dirty="0"/>
+          </a:p>
+        </p:txBody>
+      </p:sp>
+      <p:sp>
+        <p:nvSpPr>
+          <p:cNvPr id="21" name="TextBox 20"/>
+          <p:cNvSpPr txBox="1"/>
+          <p:nvPr/>
+        </p:nvSpPr>
+        <p:spPr>
+          <a:xfrm>
+            <a:off x="2031043" y="2206221"/>
+            <a:ext cx="1305614" cy="369332"/>
+          </a:xfrm>
+          <a:prstGeom prst="rect">
+            <a:avLst/>
+          </a:prstGeom>
+          <a:noFill/>
+        </p:spPr>
+        <p:txBody>
+          <a:bodyPr wrap="none" rtlCol="0">
+            <a:spAutoFit/>
+          </a:bodyPr>
+          <a:lstStyle/>
+          <a:p>
+            <a:r>
+              <a:rPr lang="en-US" smtClean="0"/>
+              <a:t>DateOfBirth</a:t>
+            </a:r>
+            <a:endParaRPr lang="en-US" dirty="0"/>
+          </a:p>
+        </p:txBody>
+      </p:sp>
+      <p:sp>
+        <p:nvSpPr>
+          <p:cNvPr id="22" name="TextBox 21"/>
+          <p:cNvSpPr txBox="1"/>
+          <p:nvPr/>
+        </p:nvSpPr>
+        <p:spPr>
+          <a:xfrm>
+            <a:off x="2117565" y="3865769"/>
+            <a:ext cx="749821" cy="369332"/>
+          </a:xfrm>
+          <a:prstGeom prst="rect">
+            <a:avLst/>
+          </a:prstGeom>
+          <a:noFill/>
+        </p:spPr>
+        <p:txBody>
+          <a:bodyPr wrap="none" rtlCol="0">
+            <a:spAutoFit/>
+          </a:bodyPr>
+          <a:lstStyle/>
+          <a:p>
+            <a:r>
+              <a:rPr lang="en-US" dirty="0" smtClean="0"/>
+              <a:t>Salary</a:t>
+            </a:r>
+            <a:endParaRPr lang="en-US" dirty="0"/>
+          </a:p>
+        </p:txBody>
+      </p:sp>
+      <p:sp>
+        <p:nvSpPr>
+          <p:cNvPr id="23" name="Rectangle 22"/>
+          <p:cNvSpPr/>
+          <p:nvPr/>
+        </p:nvSpPr>
+        <p:spPr>
+          <a:xfrm>
+            <a:off x="4926989" y="1767840"/>
+            <a:ext cx="1516828" cy="570155"/>
+          </a:xfrm>
+          <a:prstGeom prst="rect">
+            <a:avLst/>
+          </a:prstGeom>
+          <a:noFill/>
+        </p:spPr>
+        <p:style>
+          <a:lnRef idx="2">
+            <a:schemeClr val="accent1">
+              <a:shade val="50000"/>
+            </a:schemeClr>
+          </a:lnRef>
+          <a:fillRef idx="1">
+            <a:schemeClr val="accent1"/>
+          </a:fillRef>
+          <a:effectRef idx="0">
+            <a:schemeClr val="accent1"/>
+          </a:effectRef>
+          <a:fontRef idx="minor">
+            <a:schemeClr val="lt1"/>
+          </a:fontRef>
+        </p:style>
+        <p:txBody>
+          <a:bodyPr rtlCol="0" anchor="ctr"/>
+          <a:lstStyle/>
+          <a:p>
+            <a:pPr algn="ctr"/>
+            <a:endParaRPr lang="en-US"/>
+          </a:p>
+        </p:txBody>
+      </p:sp>
+      <p:sp>
+        <p:nvSpPr>
+          <p:cNvPr id="24" name="Rectangle 23"/>
+          <p:cNvSpPr/>
+          <p:nvPr/>
+        </p:nvSpPr>
+        <p:spPr>
+          <a:xfrm>
+            <a:off x="4930577" y="2619488"/>
+            <a:ext cx="1516828" cy="570155"/>
+          </a:xfrm>
+          <a:prstGeom prst="rect">
+            <a:avLst/>
+          </a:prstGeom>
+          <a:noFill/>
+        </p:spPr>
+        <p:style>
+          <a:lnRef idx="2">
+            <a:schemeClr val="accent1">
+              <a:shade val="50000"/>
+            </a:schemeClr>
+          </a:lnRef>
+          <a:fillRef idx="1">
+            <a:schemeClr val="accent1"/>
+          </a:fillRef>
+          <a:effectRef idx="0">
+            <a:schemeClr val="accent1"/>
+          </a:effectRef>
+          <a:fontRef idx="minor">
+            <a:schemeClr val="lt1"/>
+          </a:fontRef>
+        </p:style>
+        <p:txBody>
+          <a:bodyPr rtlCol="0" anchor="ctr"/>
+          <a:lstStyle/>
+          <a:p>
+            <a:pPr algn="ctr"/>
+            <a:endParaRPr lang="en-US"/>
+          </a:p>
+        </p:txBody>
+      </p:sp>
+      <p:sp>
+        <p:nvSpPr>
+          <p:cNvPr id="25" name="Rectangle 24"/>
+          <p:cNvSpPr/>
+          <p:nvPr/>
+        </p:nvSpPr>
+        <p:spPr>
+          <a:xfrm>
+            <a:off x="4941336" y="3523132"/>
+            <a:ext cx="1516828" cy="570155"/>
+          </a:xfrm>
+          <a:prstGeom prst="rect">
+            <a:avLst/>
+          </a:prstGeom>
+          <a:noFill/>
+        </p:spPr>
+        <p:style>
+          <a:lnRef idx="2">
+            <a:schemeClr val="accent1">
+              <a:shade val="50000"/>
+            </a:schemeClr>
+          </a:lnRef>
+          <a:fillRef idx="1">
+            <a:schemeClr val="accent1"/>
+          </a:fillRef>
+          <a:effectRef idx="0">
+            <a:schemeClr val="accent1"/>
+          </a:effectRef>
+          <a:fontRef idx="minor">
+            <a:schemeClr val="lt1"/>
+          </a:fontRef>
+        </p:style>
+        <p:txBody>
+          <a:bodyPr rtlCol="0" anchor="ctr"/>
+          <a:lstStyle/>
+          <a:p>
+            <a:pPr algn="ctr"/>
+            <a:endParaRPr lang="en-US"/>
+          </a:p>
+        </p:txBody>
+      </p:sp>
+      <p:cxnSp>
+        <p:nvCxnSpPr>
+          <p:cNvPr id="26" name="Straight Arrow Connector 25"/>
+          <p:cNvCxnSpPr/>
+          <p:nvPr/>
+        </p:nvCxnSpPr>
+        <p:spPr>
+          <a:xfrm>
+            <a:off x="4168575" y="2063675"/>
+            <a:ext cx="758414" cy="1"/>
+          </a:xfrm>
+          <a:prstGeom prst="straightConnector1">
+            <a:avLst/>
+          </a:prstGeom>
+          <a:ln>
+            <a:tailEnd type="triangle"/>
+          </a:ln>
+        </p:spPr>
+        <p:style>
+          <a:lnRef idx="1">
+            <a:schemeClr val="accent1"/>
+          </a:lnRef>
+          <a:fillRef idx="0">
+            <a:schemeClr val="accent1"/>
+          </a:fillRef>
+          <a:effectRef idx="0">
+            <a:schemeClr val="accent1"/>
+          </a:effectRef>
+          <a:fontRef idx="minor">
+            <a:schemeClr val="tx1"/>
+          </a:fontRef>
+        </p:style>
+      </p:cxnSp>
+      <p:cxnSp>
+        <p:nvCxnSpPr>
+          <p:cNvPr id="27" name="Straight Arrow Connector 26"/>
+          <p:cNvCxnSpPr/>
+          <p:nvPr/>
+        </p:nvCxnSpPr>
+        <p:spPr>
+          <a:xfrm>
+            <a:off x="4172166" y="2915323"/>
+            <a:ext cx="758414" cy="1"/>
+          </a:xfrm>
+          <a:prstGeom prst="straightConnector1">
+            <a:avLst/>
+          </a:prstGeom>
+          <a:ln>
+            <a:tailEnd type="triangle"/>
+          </a:ln>
+        </p:spPr>
+        <p:style>
+          <a:lnRef idx="1">
+            <a:schemeClr val="accent1"/>
+          </a:lnRef>
+          <a:fillRef idx="0">
+            <a:schemeClr val="accent1"/>
+          </a:fillRef>
+          <a:effectRef idx="0">
+            <a:schemeClr val="accent1"/>
+          </a:effectRef>
+          <a:fontRef idx="minor">
+            <a:schemeClr val="tx1"/>
+          </a:fontRef>
+        </p:style>
+      </p:cxnSp>
+      <p:cxnSp>
+        <p:nvCxnSpPr>
+          <p:cNvPr id="28" name="Straight Arrow Connector 27"/>
+          <p:cNvCxnSpPr/>
+          <p:nvPr/>
+        </p:nvCxnSpPr>
+        <p:spPr>
+          <a:xfrm>
+            <a:off x="4182923" y="3808206"/>
+            <a:ext cx="758414" cy="1"/>
+          </a:xfrm>
+          <a:prstGeom prst="straightConnector1">
+            <a:avLst/>
+          </a:prstGeom>
+          <a:ln>
+            <a:tailEnd type="triangle"/>
+          </a:ln>
+        </p:spPr>
+        <p:style>
+          <a:lnRef idx="1">
+            <a:schemeClr val="accent1"/>
+          </a:lnRef>
+          <a:fillRef idx="0">
+            <a:schemeClr val="accent1"/>
+          </a:fillRef>
+          <a:effectRef idx="0">
+            <a:schemeClr val="accent1"/>
+          </a:effectRef>
+          <a:fontRef idx="minor">
+            <a:schemeClr val="tx1"/>
+          </a:fontRef>
+        </p:style>
+      </p:cxnSp>
+      <p:cxnSp>
+        <p:nvCxnSpPr>
+          <p:cNvPr id="29" name="Straight Connector 28"/>
+          <p:cNvCxnSpPr/>
+          <p:nvPr/>
+        </p:nvCxnSpPr>
+        <p:spPr>
+          <a:xfrm>
+            <a:off x="4168576" y="2052917"/>
+            <a:ext cx="14346" cy="1771429"/>
+          </a:xfrm>
+          <a:prstGeom prst="line">
+            <a:avLst/>
+          </a:prstGeom>
+        </p:spPr>
+        <p:style>
+          <a:lnRef idx="1">
+            <a:schemeClr val="accent1"/>
+          </a:lnRef>
+          <a:fillRef idx="0">
+            <a:schemeClr val="accent1"/>
+          </a:fillRef>
+          <a:effectRef idx="0">
+            <a:schemeClr val="accent1"/>
+          </a:effectRef>
+          <a:fontRef idx="minor">
+            <a:schemeClr val="tx1"/>
+          </a:fontRef>
+        </p:style>
+      </p:cxnSp>
+      <p:cxnSp>
+        <p:nvCxnSpPr>
+          <p:cNvPr id="32" name="Straight Arrow Connector 31"/>
+          <p:cNvCxnSpPr/>
+          <p:nvPr/>
+        </p:nvCxnSpPr>
+        <p:spPr>
+          <a:xfrm>
+            <a:off x="3331324" y="2575552"/>
+            <a:ext cx="835461" cy="1"/>
+          </a:xfrm>
+          <a:prstGeom prst="straightConnector1">
+            <a:avLst/>
+          </a:prstGeom>
+          <a:ln>
+            <a:tailEnd type="triangle"/>
+          </a:ln>
+        </p:spPr>
+        <p:style>
+          <a:lnRef idx="1">
+            <a:schemeClr val="accent1"/>
+          </a:lnRef>
+          <a:fillRef idx="0">
+            <a:schemeClr val="accent1"/>
+          </a:fillRef>
+          <a:effectRef idx="0">
+            <a:schemeClr val="accent1"/>
+          </a:effectRef>
+          <a:fontRef idx="minor">
+            <a:schemeClr val="tx1"/>
+          </a:fontRef>
+        </p:style>
+      </p:cxnSp>
+      <p:sp>
+        <p:nvSpPr>
+          <p:cNvPr id="34" name="TextBox 33"/>
+          <p:cNvSpPr txBox="1"/>
+          <p:nvPr/>
+        </p:nvSpPr>
+        <p:spPr>
+          <a:xfrm>
+            <a:off x="5206803" y="1891393"/>
+            <a:ext cx="537968" cy="369332"/>
+          </a:xfrm>
+          <a:prstGeom prst="rect">
+            <a:avLst/>
+          </a:prstGeom>
+          <a:noFill/>
+        </p:spPr>
+        <p:txBody>
+          <a:bodyPr wrap="none" rtlCol="0">
+            <a:spAutoFit/>
+          </a:bodyPr>
+          <a:lstStyle/>
+          <a:p>
+            <a:r>
+              <a:rPr lang="en-US" dirty="0" smtClean="0"/>
+              <a:t>Day</a:t>
+            </a:r>
+            <a:endParaRPr lang="en-US" dirty="0"/>
+          </a:p>
+        </p:txBody>
+      </p:sp>
+      <p:sp>
+        <p:nvSpPr>
+          <p:cNvPr id="35" name="TextBox 34"/>
+          <p:cNvSpPr txBox="1"/>
+          <p:nvPr/>
+        </p:nvSpPr>
+        <p:spPr>
+          <a:xfrm>
+            <a:off x="5206803" y="2745898"/>
+            <a:ext cx="822213" cy="369332"/>
+          </a:xfrm>
+          <a:prstGeom prst="rect">
+            <a:avLst/>
+          </a:prstGeom>
+          <a:noFill/>
+        </p:spPr>
+        <p:txBody>
+          <a:bodyPr wrap="none" rtlCol="0">
+            <a:spAutoFit/>
+          </a:bodyPr>
+          <a:lstStyle/>
+          <a:p>
+            <a:r>
+              <a:rPr lang="en-US" dirty="0" smtClean="0"/>
+              <a:t>Month</a:t>
+            </a:r>
+            <a:endParaRPr lang="en-US" dirty="0"/>
+          </a:p>
+        </p:txBody>
+      </p:sp>
+      <p:sp>
+        <p:nvSpPr>
+          <p:cNvPr id="36" name="TextBox 35"/>
+          <p:cNvSpPr txBox="1"/>
+          <p:nvPr/>
+        </p:nvSpPr>
+        <p:spPr>
+          <a:xfrm>
+            <a:off x="5206803" y="3607783"/>
+            <a:ext cx="586635" cy="369332"/>
+          </a:xfrm>
+          <a:prstGeom prst="rect">
+            <a:avLst/>
+          </a:prstGeom>
+          <a:noFill/>
+        </p:spPr>
+        <p:txBody>
+          <a:bodyPr wrap="none" rtlCol="0">
+            <a:spAutoFit/>
+          </a:bodyPr>
+          <a:lstStyle/>
+          <a:p>
+            <a:r>
+              <a:rPr lang="en-US" dirty="0" smtClean="0"/>
+              <a:t>Year</a:t>
+            </a:r>
+            <a:endParaRPr lang="en-US" dirty="0"/>
+          </a:p>
+        </p:txBody>
+      </p:sp>
+      <p:sp>
+        <p:nvSpPr>
+          <p:cNvPr id="37" name="TextBox 36"/>
+          <p:cNvSpPr txBox="1"/>
+          <p:nvPr/>
+        </p:nvSpPr>
+        <p:spPr>
+          <a:xfrm>
+            <a:off x="2299666" y="365757"/>
+            <a:ext cx="2346604" cy="646331"/>
+          </a:xfrm>
+          <a:prstGeom prst="rect">
+            <a:avLst/>
+          </a:prstGeom>
+          <a:noFill/>
+        </p:spPr>
+        <p:txBody>
+          <a:bodyPr wrap="none" rtlCol="0">
+            <a:spAutoFit/>
+          </a:bodyPr>
+          <a:lstStyle/>
+          <a:p>
+            <a:r>
+              <a:rPr lang="en-US" dirty="0" smtClean="0"/>
+              <a:t>Members of Structures</a:t>
+            </a:r>
+          </a:p>
+          <a:p>
+            <a:r>
+              <a:rPr lang="en-US" dirty="0" smtClean="0"/>
+              <a:t>	person</a:t>
+            </a:r>
+            <a:endParaRPr lang="en-US" dirty="0"/>
+          </a:p>
+        </p:txBody>
+      </p:sp>
+      <p:sp>
+        <p:nvSpPr>
+          <p:cNvPr id="38" name="TextBox 37"/>
+          <p:cNvSpPr txBox="1"/>
+          <p:nvPr/>
+        </p:nvSpPr>
+        <p:spPr>
+          <a:xfrm>
+            <a:off x="4562130" y="978972"/>
+            <a:ext cx="2346604" cy="646331"/>
+          </a:xfrm>
+          <a:prstGeom prst="rect">
+            <a:avLst/>
+          </a:prstGeom>
+          <a:noFill/>
+        </p:spPr>
+        <p:txBody>
+          <a:bodyPr wrap="none" rtlCol="0">
+            <a:spAutoFit/>
+          </a:bodyPr>
+          <a:lstStyle/>
+          <a:p>
+            <a:r>
+              <a:rPr lang="en-US" dirty="0" smtClean="0"/>
+              <a:t>Members of Structures</a:t>
+            </a:r>
+          </a:p>
+          <a:p>
+            <a:r>
+              <a:rPr lang="en-US" dirty="0"/>
+              <a:t> </a:t>
+            </a:r>
+            <a:r>
+              <a:rPr lang="en-US" dirty="0" smtClean="0"/>
+              <a:t>          </a:t>
+            </a:r>
+            <a:r>
+              <a:rPr lang="en-US" dirty="0" err="1"/>
+              <a:t>d</a:t>
+            </a:r>
+            <a:r>
+              <a:rPr lang="en-US" dirty="0" err="1" smtClean="0"/>
+              <a:t>ateOfBirth</a:t>
+            </a:r>
+            <a:endParaRPr lang="en-US" dirty="0"/>
+          </a:p>
+        </p:txBody>
+      </p:sp>
+      <p:graphicFrame>
+        <p:nvGraphicFramePr>
+          <p:cNvPr id="39" name="Table 38"/>
+          <p:cNvGraphicFramePr>
+            <a:graphicFrameLocks noGrp="1"/>
+          </p:cNvGraphicFramePr>
+          <p:nvPr>
+            <p:extLst>
+              <p:ext uri="{D42A27DB-BD31-4B8C-83A1-F6EECF244321}">
+                <p14:modId xmlns:p14="http://schemas.microsoft.com/office/powerpoint/2010/main" val="1236433397"/>
+              </p:ext>
+            </p:extLst>
+          </p:nvPr>
+        </p:nvGraphicFramePr>
+        <p:xfrm>
+          <a:off x="3749054" y="4244489"/>
+          <a:ext cx="8128000" cy="1673488"/>
+        </p:xfrm>
+        <a:graphic>
+          <a:graphicData uri="http://schemas.openxmlformats.org/drawingml/2006/table">
+            <a:tbl>
+              <a:tblPr firstRow="1" bandRow="1">
+                <a:tableStyleId>{5C22544A-7EE6-4342-B048-85BDC9FD1C3A}</a:tableStyleId>
+              </a:tblPr>
+              <a:tblGrid>
+                <a:gridCol w="4064000"/>
+                <a:gridCol w="4064000"/>
+              </a:tblGrid>
+              <a:tr h="701886">
+                <a:tc>
+                  <a:txBody>
+                    <a:bodyPr/>
+                    <a:lstStyle/>
+                    <a:p>
+                      <a:r>
+                        <a:rPr lang="en-US" dirty="0" smtClean="0"/>
+                        <a:t>The members within structure </a:t>
+                      </a:r>
+                      <a:r>
+                        <a:rPr lang="en-US" b="0" i="1" dirty="0" smtClean="0"/>
+                        <a:t>date</a:t>
+                      </a:r>
+                      <a:r>
+                        <a:rPr lang="en-US" dirty="0" smtClean="0"/>
+                        <a:t> can</a:t>
+                      </a:r>
+                      <a:r>
+                        <a:rPr lang="en-US" baseline="0" dirty="0" smtClean="0"/>
+                        <a:t> be accessed as:</a:t>
+                      </a:r>
+                      <a:endParaRPr lang="en-US" dirty="0"/>
+                    </a:p>
+                  </a:txBody>
+                  <a:tcPr/>
+                </a:tc>
+                <a:tc>
+                  <a:txBody>
+                    <a:bodyPr/>
+                    <a:lstStyle/>
+                    <a:p>
+                      <a:r>
+                        <a:rPr lang="en-US" dirty="0" smtClean="0"/>
+                        <a:t>The members within </a:t>
+                      </a:r>
+                      <a:r>
+                        <a:rPr lang="en-US" b="0" i="1" dirty="0" smtClean="0"/>
+                        <a:t>person</a:t>
+                      </a:r>
+                      <a:r>
+                        <a:rPr lang="en-US" dirty="0" smtClean="0"/>
+                        <a:t> structure are</a:t>
+                      </a:r>
+                      <a:r>
+                        <a:rPr lang="en-US" baseline="0" dirty="0" smtClean="0"/>
+                        <a:t> accessed as:</a:t>
+                      </a:r>
+                      <a:endParaRPr lang="en-US" dirty="0"/>
+                    </a:p>
+                  </a:txBody>
+                  <a:tcPr/>
+                </a:tc>
+              </a:tr>
+              <a:tr h="971602">
+                <a:tc>
+                  <a:txBody>
+                    <a:bodyPr/>
+                    <a:lstStyle/>
+                    <a:p>
+                      <a:r>
+                        <a:rPr lang="en-US" dirty="0" err="1" smtClean="0"/>
+                        <a:t>p.dateOfBirthday.day</a:t>
+                      </a:r>
+                      <a:endParaRPr lang="en-US" dirty="0" smtClean="0"/>
+                    </a:p>
+                    <a:p>
+                      <a:r>
+                        <a:rPr lang="en-US" dirty="0" err="1" smtClean="0"/>
+                        <a:t>p.dateOfBirthday.month</a:t>
+                      </a:r>
+                      <a:endParaRPr lang="en-US" dirty="0" smtClean="0"/>
+                    </a:p>
+                    <a:p>
+                      <a:r>
+                        <a:rPr lang="en-US" dirty="0" err="1" smtClean="0"/>
+                        <a:t>p.dateOfBirthday.year</a:t>
+                      </a:r>
+                      <a:endParaRPr lang="en-US" dirty="0"/>
+                    </a:p>
+                  </a:txBody>
+                  <a:tcPr/>
+                </a:tc>
+                <a:tc>
+                  <a:txBody>
+                    <a:bodyPr/>
+                    <a:lstStyle/>
+                    <a:p>
+                      <a:r>
+                        <a:rPr lang="en-US" dirty="0" err="1" smtClean="0"/>
+                        <a:t>p.Name</a:t>
+                      </a:r>
+                      <a:endParaRPr lang="en-US" dirty="0" smtClean="0"/>
+                    </a:p>
+                    <a:p>
+                      <a:r>
+                        <a:rPr lang="en-US" dirty="0" err="1" smtClean="0"/>
+                        <a:t>p.Id</a:t>
+                      </a:r>
+                      <a:endParaRPr lang="en-US" dirty="0" smtClean="0"/>
+                    </a:p>
+                    <a:p>
+                      <a:r>
+                        <a:rPr lang="en-US" dirty="0" err="1" smtClean="0"/>
+                        <a:t>p.salary</a:t>
+                      </a:r>
+                      <a:endParaRPr lang="en-US" dirty="0"/>
+                    </a:p>
+                  </a:txBody>
+                  <a:tcPr/>
+                </a:tc>
+              </a:tr>
+            </a:tbl>
+          </a:graphicData>
+        </a:graphic>
+      </p:graphicFrame>
+      <p:graphicFrame>
+        <p:nvGraphicFramePr>
+          <p:cNvPr id="40" name="Table 39"/>
+          <p:cNvGraphicFramePr>
+            <a:graphicFrameLocks noGrp="1"/>
+          </p:cNvGraphicFramePr>
+          <p:nvPr>
+            <p:extLst>
+              <p:ext uri="{D42A27DB-BD31-4B8C-83A1-F6EECF244321}">
+                <p14:modId xmlns:p14="http://schemas.microsoft.com/office/powerpoint/2010/main" val="315402305"/>
+              </p:ext>
+            </p:extLst>
+          </p:nvPr>
+        </p:nvGraphicFramePr>
+        <p:xfrm>
+          <a:off x="7003227" y="584495"/>
+          <a:ext cx="4932164" cy="2427646"/>
+        </p:xfrm>
+        <a:graphic>
+          <a:graphicData uri="http://schemas.openxmlformats.org/drawingml/2006/table">
+            <a:tbl>
+              <a:tblPr firstRow="1" bandRow="1">
+                <a:tableStyleId>{5C22544A-7EE6-4342-B048-85BDC9FD1C3A}</a:tableStyleId>
+              </a:tblPr>
+              <a:tblGrid>
+                <a:gridCol w="2466082"/>
+                <a:gridCol w="2466082"/>
+              </a:tblGrid>
+              <a:tr h="2427646">
+                <a:tc>
+                  <a:txBody>
+                    <a:bodyPr/>
+                    <a:lstStyle/>
+                    <a:p>
+                      <a:r>
+                        <a:rPr lang="en-US" dirty="0" err="1" smtClean="0"/>
+                        <a:t>struct</a:t>
+                      </a:r>
+                      <a:r>
+                        <a:rPr lang="en-US" dirty="0" smtClean="0"/>
+                        <a:t> date{</a:t>
+                      </a:r>
+                    </a:p>
+                    <a:p>
+                      <a:endParaRPr lang="en-US" dirty="0" smtClean="0"/>
+                    </a:p>
+                    <a:p>
+                      <a:r>
+                        <a:rPr lang="en-US" dirty="0" smtClean="0"/>
+                        <a:t>    </a:t>
+                      </a:r>
+                      <a:r>
+                        <a:rPr lang="en-US" dirty="0" err="1" smtClean="0"/>
+                        <a:t>int</a:t>
+                      </a:r>
+                      <a:r>
+                        <a:rPr lang="en-US" dirty="0" smtClean="0"/>
+                        <a:t> day;</a:t>
+                      </a:r>
+                    </a:p>
+                    <a:p>
+                      <a:r>
+                        <a:rPr lang="en-US" dirty="0" smtClean="0"/>
+                        <a:t>    </a:t>
+                      </a:r>
+                      <a:r>
+                        <a:rPr lang="en-US" dirty="0" err="1" smtClean="0"/>
+                        <a:t>int</a:t>
+                      </a:r>
+                      <a:r>
+                        <a:rPr lang="en-US" dirty="0" smtClean="0"/>
+                        <a:t> month;</a:t>
+                      </a:r>
+                    </a:p>
+                    <a:p>
+                      <a:r>
+                        <a:rPr lang="en-US" dirty="0" smtClean="0"/>
+                        <a:t>    </a:t>
+                      </a:r>
+                      <a:r>
+                        <a:rPr lang="en-US" dirty="0" err="1" smtClean="0"/>
+                        <a:t>int</a:t>
+                      </a:r>
+                      <a:r>
+                        <a:rPr lang="en-US" dirty="0" smtClean="0"/>
+                        <a:t> year;</a:t>
+                      </a:r>
+                      <a:endParaRPr lang="en-US" dirty="0" smtClean="0"/>
+                    </a:p>
+                    <a:p>
+                      <a:r>
+                        <a:rPr lang="en-US" dirty="0" smtClean="0"/>
+                        <a:t>};</a:t>
+                      </a:r>
+                      <a:endParaRPr lang="en-US" dirty="0"/>
+                    </a:p>
+                  </a:txBody>
+                  <a:tcPr/>
+                </a:tc>
+                <a:tc>
+                  <a:txBody>
+                    <a:bodyPr/>
+                    <a:lstStyle/>
+                    <a:p>
+                      <a:r>
+                        <a:rPr lang="en-US" dirty="0" err="1" smtClean="0"/>
+                        <a:t>struct</a:t>
+                      </a:r>
+                      <a:r>
+                        <a:rPr lang="en-US" dirty="0" smtClean="0"/>
+                        <a:t> person{</a:t>
+                      </a:r>
+                    </a:p>
+                    <a:p>
+                      <a:endParaRPr lang="en-US" dirty="0" smtClean="0"/>
+                    </a:p>
+                    <a:p>
+                      <a:r>
+                        <a:rPr lang="en-US" dirty="0" smtClean="0"/>
+                        <a:t>char name[20];</a:t>
+                      </a:r>
+                    </a:p>
+                    <a:p>
+                      <a:r>
+                        <a:rPr lang="en-US" dirty="0" err="1" smtClean="0"/>
+                        <a:t>int</a:t>
+                      </a:r>
+                      <a:r>
+                        <a:rPr lang="en-US" baseline="0" dirty="0" smtClean="0"/>
+                        <a:t> id;</a:t>
+                      </a:r>
+                    </a:p>
+                    <a:p>
+                      <a:r>
+                        <a:rPr lang="en-US" baseline="0" dirty="0" err="1" smtClean="0"/>
+                        <a:t>struct</a:t>
+                      </a:r>
+                      <a:r>
+                        <a:rPr lang="en-US" baseline="0" dirty="0" smtClean="0"/>
+                        <a:t> date </a:t>
+                      </a:r>
+                      <a:r>
+                        <a:rPr lang="en-US" sz="1400" baseline="0" dirty="0" err="1" smtClean="0"/>
+                        <a:t>dateOfBirthday</a:t>
+                      </a:r>
+                      <a:r>
+                        <a:rPr lang="en-US" sz="1400" baseline="0" dirty="0" smtClean="0"/>
+                        <a:t>;</a:t>
+                      </a:r>
+                    </a:p>
+                    <a:p>
+                      <a:r>
+                        <a:rPr lang="en-US" dirty="0" smtClean="0"/>
+                        <a:t>float salary;</a:t>
+                      </a:r>
+                    </a:p>
+                    <a:p>
+                      <a:r>
+                        <a:rPr lang="en-US" dirty="0" smtClean="0"/>
+                        <a:t>}p;</a:t>
+                      </a:r>
+                      <a:endParaRPr lang="en-US" dirty="0"/>
+                    </a:p>
+                  </a:txBody>
+                  <a:tcPr/>
+                </a:tc>
+              </a:tr>
+            </a:tbl>
+          </a:graphicData>
+        </a:graphic>
+      </p:graphicFrame>
     </p:spTree>
     <p:extLst>
       <p:ext uri="{BB962C8B-B14F-4D97-AF65-F5344CB8AC3E}">
@@ -5123,8 +7269,8 @@
         </p:nvSpPr>
         <p:spPr>
           <a:xfrm>
-            <a:off x="838200" y="386641"/>
-            <a:ext cx="10515600" cy="775186"/>
+            <a:off x="7487322" y="301214"/>
+            <a:ext cx="3866478" cy="591672"/>
           </a:xfrm>
         </p:spPr>
         <p:txBody>
@@ -5133,38 +7279,43 @@
           </a:bodyPr>
           <a:lstStyle/>
           <a:p>
+            <a:r>
+              <a:rPr lang="en-US" sz="3600" dirty="0" smtClean="0"/>
+              <a:t>Output</a:t>
+            </a:r>
             <a:endParaRPr lang="en-US" sz="3600" dirty="0"/>
           </a:p>
         </p:txBody>
       </p:sp>
-      <p:sp>
-        <p:nvSpPr>
-          <p:cNvPr id="3" name="Content Placeholder 2"/>
-          <p:cNvSpPr>
-            <a:spLocks noGrp="1"/>
-          </p:cNvSpPr>
+      <p:pic>
+        <p:nvPicPr>
+          <p:cNvPr id="6" name="Content Placeholder 5"/>
+          <p:cNvPicPr>
+            <a:picLocks noGrp="1" noChangeAspect="1"/>
+          </p:cNvPicPr>
           <p:nvPr>
             <p:ph idx="1"/>
           </p:nvPr>
-        </p:nvSpPr>
+        </p:nvPicPr>
+        <p:blipFill>
+          <a:blip r:embed="rId2">
+            <a:extLst>
+              <a:ext uri="{28A0092B-C50C-407E-A947-70E740481C1C}">
+                <a14:useLocalDpi xmlns:a14="http://schemas.microsoft.com/office/drawing/2010/main" val="0"/>
+              </a:ext>
+            </a:extLst>
+          </a:blip>
+          <a:stretch>
+            <a:fillRect/>
+          </a:stretch>
+        </p:blipFill>
         <p:spPr>
           <a:xfrm>
-            <a:off x="838200" y="1398494"/>
-            <a:ext cx="10515600" cy="4778469"/>
+            <a:off x="0" y="0"/>
+            <a:ext cx="6496270" cy="6721475"/>
           </a:xfrm>
         </p:spPr>
-        <p:txBody>
-          <a:bodyPr>
-            <a:normAutofit/>
-          </a:bodyPr>
-          <a:lstStyle/>
-          <a:p>
-            <a:endParaRPr lang="en-US" sz="2400" dirty="0">
-              <a:latin typeface="+mj-lt"/>
-            </a:endParaRPr>
-          </a:p>
-        </p:txBody>
-      </p:sp>
+      </p:pic>
       <p:sp>
         <p:nvSpPr>
           <p:cNvPr id="4" name="Footer Placeholder 3"/>
@@ -5211,6 +7362,36 @@
           </a:p>
         </p:txBody>
       </p:sp>
+      <p:pic>
+        <p:nvPicPr>
+          <p:cNvPr id="7" name="Picture 6"/>
+          <p:cNvPicPr>
+            <a:picLocks noChangeAspect="1"/>
+          </p:cNvPicPr>
+          <p:nvPr/>
+        </p:nvPicPr>
+        <p:blipFill>
+          <a:blip r:embed="rId3">
+            <a:extLst>
+              <a:ext uri="{28A0092B-C50C-407E-A947-70E740481C1C}">
+                <a14:useLocalDpi xmlns:a14="http://schemas.microsoft.com/office/drawing/2010/main" val="0"/>
+              </a:ext>
+            </a:extLst>
+          </a:blip>
+          <a:stretch>
+            <a:fillRect/>
+          </a:stretch>
+        </p:blipFill>
+        <p:spPr>
+          <a:xfrm>
+            <a:off x="7061200" y="892885"/>
+            <a:ext cx="4206238" cy="1828799"/>
+          </a:xfrm>
+          <a:prstGeom prst="rect">
+            <a:avLst/>
+          </a:prstGeom>
+        </p:spPr>
+      </p:pic>
     </p:spTree>
     <p:extLst>
       <p:ext uri="{BB962C8B-B14F-4D97-AF65-F5344CB8AC3E}">
@@ -5437,8 +7618,8 @@
         </p:nvSpPr>
         <p:spPr>
           <a:xfrm>
-            <a:off x="838200" y="386641"/>
-            <a:ext cx="10515600" cy="775186"/>
+            <a:off x="7680960" y="322729"/>
+            <a:ext cx="3672840" cy="839098"/>
           </a:xfrm>
         </p:spPr>
         <p:txBody>
@@ -5447,38 +7628,43 @@
           </a:bodyPr>
           <a:lstStyle/>
           <a:p>
+            <a:r>
+              <a:rPr lang="en-US" sz="3600" dirty="0" smtClean="0"/>
+              <a:t>OUTPUT</a:t>
+            </a:r>
             <a:endParaRPr lang="en-US" sz="3600" dirty="0"/>
           </a:p>
         </p:txBody>
       </p:sp>
-      <p:sp>
-        <p:nvSpPr>
-          <p:cNvPr id="3" name="Content Placeholder 2"/>
-          <p:cNvSpPr>
-            <a:spLocks noGrp="1"/>
-          </p:cNvSpPr>
+      <p:pic>
+        <p:nvPicPr>
+          <p:cNvPr id="6" name="Content Placeholder 5"/>
+          <p:cNvPicPr>
+            <a:picLocks noGrp="1" noChangeAspect="1"/>
+          </p:cNvPicPr>
           <p:nvPr>
             <p:ph idx="1"/>
           </p:nvPr>
-        </p:nvSpPr>
+        </p:nvPicPr>
+        <p:blipFill>
+          <a:blip r:embed="rId2">
+            <a:extLst>
+              <a:ext uri="{28A0092B-C50C-407E-A947-70E740481C1C}">
+                <a14:useLocalDpi xmlns:a14="http://schemas.microsoft.com/office/drawing/2010/main" val="0"/>
+              </a:ext>
+            </a:extLst>
+          </a:blip>
+          <a:stretch>
+            <a:fillRect/>
+          </a:stretch>
+        </p:blipFill>
         <p:spPr>
           <a:xfrm>
-            <a:off x="838200" y="1398494"/>
-            <a:ext cx="10515600" cy="4778469"/>
+            <a:off x="0" y="0"/>
+            <a:ext cx="6347012" cy="6846995"/>
           </a:xfrm>
         </p:spPr>
-        <p:txBody>
-          <a:bodyPr>
-            <a:normAutofit/>
-          </a:bodyPr>
-          <a:lstStyle/>
-          <a:p>
-            <a:endParaRPr lang="en-US" sz="2400" dirty="0">
-              <a:latin typeface="+mj-lt"/>
-            </a:endParaRPr>
-          </a:p>
-        </p:txBody>
-      </p:sp>
+      </p:pic>
       <p:sp>
         <p:nvSpPr>
           <p:cNvPr id="4" name="Footer Placeholder 3"/>
@@ -5525,6 +7711,36 @@
           </a:p>
         </p:txBody>
       </p:sp>
+      <p:pic>
+        <p:nvPicPr>
+          <p:cNvPr id="7" name="Picture 6"/>
+          <p:cNvPicPr>
+            <a:picLocks noChangeAspect="1"/>
+          </p:cNvPicPr>
+          <p:nvPr/>
+        </p:nvPicPr>
+        <p:blipFill>
+          <a:blip r:embed="rId3">
+            <a:extLst>
+              <a:ext uri="{28A0092B-C50C-407E-A947-70E740481C1C}">
+                <a14:useLocalDpi xmlns:a14="http://schemas.microsoft.com/office/drawing/2010/main" val="0"/>
+              </a:ext>
+            </a:extLst>
+          </a:blip>
+          <a:stretch>
+            <a:fillRect/>
+          </a:stretch>
+        </p:blipFill>
+        <p:spPr>
+          <a:xfrm>
+            <a:off x="6625963" y="1161827"/>
+            <a:ext cx="5334253" cy="1914860"/>
+          </a:xfrm>
+          <a:prstGeom prst="rect">
+            <a:avLst/>
+          </a:prstGeom>
+        </p:spPr>
+      </p:pic>
     </p:spTree>
     <p:extLst>
       <p:ext uri="{BB962C8B-B14F-4D97-AF65-F5344CB8AC3E}">
@@ -5567,6 +7783,878 @@
         </p:nvSpPr>
         <p:spPr>
           <a:xfrm>
+            <a:off x="838200" y="171488"/>
+            <a:ext cx="10515600" cy="592305"/>
+          </a:xfrm>
+        </p:spPr>
+        <p:txBody>
+          <a:bodyPr>
+            <a:normAutofit/>
+          </a:bodyPr>
+          <a:lstStyle/>
+          <a:p>
+            <a:r>
+              <a:rPr lang="en-US" sz="3600" dirty="0"/>
+              <a:t>Pointer to structure</a:t>
+            </a:r>
+            <a:r>
+              <a:rPr lang="en-US" sz="3600" dirty="0"/>
+              <a:t> </a:t>
+            </a:r>
+            <a:endParaRPr lang="en-US" sz="3600" dirty="0"/>
+          </a:p>
+        </p:txBody>
+      </p:sp>
+      <p:sp>
+        <p:nvSpPr>
+          <p:cNvPr id="3" name="Content Placeholder 2"/>
+          <p:cNvSpPr>
+            <a:spLocks noGrp="1"/>
+          </p:cNvSpPr>
+          <p:nvPr>
+            <p:ph idx="1"/>
+          </p:nvPr>
+        </p:nvSpPr>
+        <p:spPr>
+          <a:xfrm>
+            <a:off x="838200" y="849854"/>
+            <a:ext cx="10515600" cy="5327110"/>
+          </a:xfrm>
+        </p:spPr>
+        <p:txBody>
+          <a:bodyPr>
+            <a:normAutofit/>
+          </a:bodyPr>
+          <a:lstStyle/>
+          <a:p>
+            <a:r>
+              <a:rPr lang="en-US" sz="2400" dirty="0" smtClean="0">
+                <a:latin typeface="+mj-lt"/>
+              </a:rPr>
+              <a:t>Pointers can be used also with structure.</a:t>
+            </a:r>
+          </a:p>
+          <a:p>
+            <a:endParaRPr lang="en-US" sz="2400" dirty="0">
+              <a:latin typeface="+mj-lt"/>
+            </a:endParaRPr>
+          </a:p>
+          <a:p>
+            <a:r>
+              <a:rPr lang="en-US" sz="2400" dirty="0" smtClean="0">
+                <a:latin typeface="+mj-lt"/>
+              </a:rPr>
+              <a:t>To store address of a structure type variable, we can define a structure type pointer variable as normal way.</a:t>
+            </a:r>
+          </a:p>
+          <a:p>
+            <a:endParaRPr lang="en-US" sz="2400" dirty="0">
+              <a:latin typeface="+mj-lt"/>
+            </a:endParaRPr>
+          </a:p>
+          <a:p>
+            <a:r>
+              <a:rPr lang="en-US" sz="2400" dirty="0" smtClean="0">
+                <a:latin typeface="+mj-lt"/>
+              </a:rPr>
+              <a:t>Let us consider a structure book that has members name, page and price.</a:t>
+            </a:r>
+            <a:endParaRPr lang="en-US" sz="2400" dirty="0">
+              <a:latin typeface="+mj-lt"/>
+            </a:endParaRPr>
+          </a:p>
+        </p:txBody>
+      </p:sp>
+      <p:sp>
+        <p:nvSpPr>
+          <p:cNvPr id="4" name="Footer Placeholder 3"/>
+          <p:cNvSpPr>
+            <a:spLocks noGrp="1"/>
+          </p:cNvSpPr>
+          <p:nvPr>
+            <p:ph type="ftr" sz="quarter" idx="11"/>
+          </p:nvPr>
+        </p:nvSpPr>
+        <p:spPr/>
+        <p:txBody>
+          <a:bodyPr/>
+          <a:lstStyle/>
+          <a:p>
+            <a:r>
+              <a:rPr lang="en-US" smtClean="0"/>
+              <a:t>Ashim Lamichhane</a:t>
+            </a:r>
+            <a:endParaRPr lang="en-US"/>
+          </a:p>
+        </p:txBody>
+      </p:sp>
+      <p:sp>
+        <p:nvSpPr>
+          <p:cNvPr id="5" name="Slide Number Placeholder 4"/>
+          <p:cNvSpPr>
+            <a:spLocks noGrp="1"/>
+          </p:cNvSpPr>
+          <p:nvPr>
+            <p:ph type="sldNum" sz="quarter" idx="12"/>
+          </p:nvPr>
+        </p:nvSpPr>
+        <p:spPr/>
+        <p:txBody>
+          <a:bodyPr/>
+          <a:lstStyle/>
+          <a:p>
+            <a:fld id="{7D094B80-DE71-CC46-B9B3-AF1864E96B56}" type="slidenum">
+              <a:rPr lang="en-US" smtClean="0"/>
+              <a:t>21</a:t>
+            </a:fld>
+            <a:endParaRPr lang="en-US"/>
+          </a:p>
+        </p:txBody>
+      </p:sp>
+      <p:graphicFrame>
+        <p:nvGraphicFramePr>
+          <p:cNvPr id="6" name="Table 5"/>
+          <p:cNvGraphicFramePr>
+            <a:graphicFrameLocks noGrp="1"/>
+          </p:cNvGraphicFramePr>
+          <p:nvPr>
+            <p:extLst>
+              <p:ext uri="{D42A27DB-BD31-4B8C-83A1-F6EECF244321}">
+                <p14:modId xmlns:p14="http://schemas.microsoft.com/office/powerpoint/2010/main" val="1314648651"/>
+              </p:ext>
+            </p:extLst>
+          </p:nvPr>
+        </p:nvGraphicFramePr>
+        <p:xfrm>
+          <a:off x="4395246" y="3731807"/>
+          <a:ext cx="6958554" cy="370840"/>
+        </p:xfrm>
+        <a:graphic>
+          <a:graphicData uri="http://schemas.openxmlformats.org/drawingml/2006/table">
+            <a:tbl>
+              <a:tblPr firstRow="1" bandRow="1">
+                <a:tableStyleId>{5C22544A-7EE6-4342-B048-85BDC9FD1C3A}</a:tableStyleId>
+              </a:tblPr>
+              <a:tblGrid>
+                <a:gridCol w="6958554"/>
+              </a:tblGrid>
+              <a:tr h="370840">
+                <a:tc>
+                  <a:txBody>
+                    <a:bodyPr/>
+                    <a:lstStyle/>
+                    <a:p>
+                      <a:r>
+                        <a:rPr lang="en-US" dirty="0" err="1" smtClean="0"/>
+                        <a:t>struct</a:t>
+                      </a:r>
+                      <a:r>
+                        <a:rPr lang="en-US" dirty="0" smtClean="0"/>
+                        <a:t> book b;                         //</a:t>
+                      </a:r>
+                      <a:r>
+                        <a:rPr lang="en-US" baseline="0" dirty="0" smtClean="0"/>
+                        <a:t> b is a structure variable</a:t>
+                      </a:r>
+                      <a:endParaRPr lang="en-US" dirty="0"/>
+                    </a:p>
+                  </a:txBody>
+                  <a:tcPr/>
+                </a:tc>
+              </a:tr>
+            </a:tbl>
+          </a:graphicData>
+        </a:graphic>
+      </p:graphicFrame>
+      <p:graphicFrame>
+        <p:nvGraphicFramePr>
+          <p:cNvPr id="7" name="Table 6"/>
+          <p:cNvGraphicFramePr>
+            <a:graphicFrameLocks noGrp="1"/>
+          </p:cNvGraphicFramePr>
+          <p:nvPr>
+            <p:extLst>
+              <p:ext uri="{D42A27DB-BD31-4B8C-83A1-F6EECF244321}">
+                <p14:modId xmlns:p14="http://schemas.microsoft.com/office/powerpoint/2010/main" val="1776438181"/>
+              </p:ext>
+            </p:extLst>
+          </p:nvPr>
+        </p:nvGraphicFramePr>
+        <p:xfrm>
+          <a:off x="838200" y="3731807"/>
+          <a:ext cx="3200400" cy="1463040"/>
+        </p:xfrm>
+        <a:graphic>
+          <a:graphicData uri="http://schemas.openxmlformats.org/drawingml/2006/table">
+            <a:tbl>
+              <a:tblPr firstRow="1" bandRow="1">
+                <a:tableStyleId>{5C22544A-7EE6-4342-B048-85BDC9FD1C3A}</a:tableStyleId>
+              </a:tblPr>
+              <a:tblGrid>
+                <a:gridCol w="3200400"/>
+              </a:tblGrid>
+              <a:tr h="370840">
+                <a:tc>
+                  <a:txBody>
+                    <a:bodyPr/>
+                    <a:lstStyle/>
+                    <a:p>
+                      <a:r>
+                        <a:rPr lang="en-US" dirty="0" err="1" smtClean="0"/>
+                        <a:t>struct</a:t>
+                      </a:r>
+                      <a:r>
+                        <a:rPr lang="en-US" dirty="0" smtClean="0"/>
+                        <a:t> book{</a:t>
+                      </a:r>
+                    </a:p>
+                    <a:p>
+                      <a:r>
+                        <a:rPr lang="en-US" dirty="0" smtClean="0"/>
+                        <a:t>    char name[10];</a:t>
+                      </a:r>
+                    </a:p>
+                    <a:p>
+                      <a:r>
+                        <a:rPr lang="en-US" dirty="0" smtClean="0"/>
+                        <a:t>    </a:t>
+                      </a:r>
+                      <a:r>
+                        <a:rPr lang="en-US" dirty="0" err="1" smtClean="0"/>
+                        <a:t>int</a:t>
+                      </a:r>
+                      <a:r>
+                        <a:rPr lang="en-US" dirty="0" smtClean="0"/>
+                        <a:t> page;</a:t>
+                      </a:r>
+                    </a:p>
+                    <a:p>
+                      <a:r>
+                        <a:rPr lang="en-US" dirty="0" smtClean="0"/>
+                        <a:t>    float price;</a:t>
+                      </a:r>
+                    </a:p>
+                    <a:p>
+                      <a:r>
+                        <a:rPr lang="en-US" dirty="0" smtClean="0"/>
+                        <a:t>}</a:t>
+                      </a:r>
+                      <a:endParaRPr lang="en-US" dirty="0"/>
+                    </a:p>
+                  </a:txBody>
+                  <a:tcPr/>
+                </a:tc>
+              </a:tr>
+            </a:tbl>
+          </a:graphicData>
+        </a:graphic>
+      </p:graphicFrame>
+      <p:graphicFrame>
+        <p:nvGraphicFramePr>
+          <p:cNvPr id="8" name="Table 7"/>
+          <p:cNvGraphicFramePr>
+            <a:graphicFrameLocks noGrp="1"/>
+          </p:cNvGraphicFramePr>
+          <p:nvPr>
+            <p:extLst>
+              <p:ext uri="{D42A27DB-BD31-4B8C-83A1-F6EECF244321}">
+                <p14:modId xmlns:p14="http://schemas.microsoft.com/office/powerpoint/2010/main" val="1997764566"/>
+              </p:ext>
+            </p:extLst>
+          </p:nvPr>
+        </p:nvGraphicFramePr>
+        <p:xfrm>
+          <a:off x="4395246" y="4102647"/>
+          <a:ext cx="6958554" cy="365760"/>
+        </p:xfrm>
+        <a:graphic>
+          <a:graphicData uri="http://schemas.openxmlformats.org/drawingml/2006/table">
+            <a:tbl>
+              <a:tblPr firstRow="1" bandRow="1">
+                <a:tableStyleId>{5C22544A-7EE6-4342-B048-85BDC9FD1C3A}</a:tableStyleId>
+              </a:tblPr>
+              <a:tblGrid>
+                <a:gridCol w="6958554"/>
+              </a:tblGrid>
+              <a:tr h="360779">
+                <a:tc>
+                  <a:txBody>
+                    <a:bodyPr/>
+                    <a:lstStyle/>
+                    <a:p>
+                      <a:r>
+                        <a:rPr lang="en-US" dirty="0" err="1" smtClean="0"/>
+                        <a:t>struct</a:t>
+                      </a:r>
+                      <a:r>
+                        <a:rPr lang="en-US" dirty="0" smtClean="0"/>
+                        <a:t> book *</a:t>
+                      </a:r>
+                      <a:r>
+                        <a:rPr lang="en-US" dirty="0" err="1" smtClean="0"/>
+                        <a:t>bptr</a:t>
+                      </a:r>
+                      <a:r>
+                        <a:rPr lang="en-US" dirty="0" smtClean="0"/>
+                        <a:t>;                //</a:t>
+                      </a:r>
+                      <a:r>
+                        <a:rPr lang="en-US" baseline="0" dirty="0" smtClean="0"/>
+                        <a:t> b is a pointer variable of structure type</a:t>
+                      </a:r>
+                      <a:endParaRPr lang="en-US" dirty="0"/>
+                    </a:p>
+                  </a:txBody>
+                  <a:tcPr/>
+                </a:tc>
+              </a:tr>
+            </a:tbl>
+          </a:graphicData>
+        </a:graphic>
+      </p:graphicFrame>
+      <p:sp>
+        <p:nvSpPr>
+          <p:cNvPr id="10" name="TextBox 9"/>
+          <p:cNvSpPr txBox="1"/>
+          <p:nvPr/>
+        </p:nvSpPr>
+        <p:spPr>
+          <a:xfrm>
+            <a:off x="4920878" y="4633760"/>
+            <a:ext cx="6295313" cy="646331"/>
+          </a:xfrm>
+          <a:prstGeom prst="rect">
+            <a:avLst/>
+          </a:prstGeom>
+          <a:noFill/>
+        </p:spPr>
+        <p:txBody>
+          <a:bodyPr wrap="none" rtlCol="0">
+            <a:spAutoFit/>
+          </a:bodyPr>
+          <a:lstStyle/>
+          <a:p>
+            <a:pPr marL="285750" indent="-285750">
+              <a:buFont typeface="Arial" charset="0"/>
+              <a:buChar char="•"/>
+            </a:pPr>
+            <a:r>
+              <a:rPr lang="en-US" dirty="0" smtClean="0"/>
+              <a:t>The declaration for a pointer to structure doesn’t allocate any </a:t>
+            </a:r>
+          </a:p>
+          <a:p>
+            <a:r>
+              <a:rPr lang="en-US" dirty="0" smtClean="0"/>
+              <a:t>      memory for a structure but allocates only for pointer.</a:t>
+            </a:r>
+            <a:endParaRPr lang="en-US" dirty="0"/>
+          </a:p>
+        </p:txBody>
+      </p:sp>
+    </p:spTree>
+    <p:extLst>
+      <p:ext uri="{BB962C8B-B14F-4D97-AF65-F5344CB8AC3E}">
+        <p14:creationId xmlns:p14="http://schemas.microsoft.com/office/powerpoint/2010/main" val="357228729"/>
+      </p:ext>
+    </p:extLst>
+  </p:cSld>
+  <p:clrMapOvr>
+    <a:masterClrMapping/>
+  </p:clrMapOvr>
+</p:sld>
+</file>
+
+<file path=ppt/slides/slide22.xml><?xml version="1.0" encoding="utf-8"?>
+<p:sld xmlns:a="http://schemas.openxmlformats.org/drawingml/2006/main" xmlns:r="http://schemas.openxmlformats.org/officeDocument/2006/relationships" xmlns:p="http://schemas.openxmlformats.org/presentationml/2006/main">
+  <p:cSld>
+    <p:spTree>
+      <p:nvGrpSpPr>
+        <p:cNvPr id="1" name=""/>
+        <p:cNvGrpSpPr/>
+        <p:nvPr/>
+      </p:nvGrpSpPr>
+      <p:grpSpPr>
+        <a:xfrm>
+          <a:off x="0" y="0"/>
+          <a:ext cx="0" cy="0"/>
+          <a:chOff x="0" y="0"/>
+          <a:chExt cx="0" cy="0"/>
+        </a:xfrm>
+      </p:grpSpPr>
+      <p:sp>
+        <p:nvSpPr>
+          <p:cNvPr id="3" name="Content Placeholder 2"/>
+          <p:cNvSpPr>
+            <a:spLocks noGrp="1"/>
+          </p:cNvSpPr>
+          <p:nvPr>
+            <p:ph idx="1"/>
+          </p:nvPr>
+        </p:nvSpPr>
+        <p:spPr>
+          <a:xfrm>
+            <a:off x="838200" y="322730"/>
+            <a:ext cx="10515600" cy="5854234"/>
+          </a:xfrm>
+        </p:spPr>
+        <p:txBody>
+          <a:bodyPr>
+            <a:normAutofit fontScale="92500" lnSpcReduction="20000"/>
+          </a:bodyPr>
+          <a:lstStyle/>
+          <a:p>
+            <a:r>
+              <a:rPr lang="en-US" sz="2400" dirty="0" smtClean="0">
+                <a:latin typeface="+mj-lt"/>
+              </a:rPr>
+              <a:t>To use structure members through pointer </a:t>
+            </a:r>
+            <a:r>
+              <a:rPr lang="en-US" sz="2400" dirty="0" err="1" smtClean="0">
+                <a:latin typeface="+mj-lt"/>
+              </a:rPr>
+              <a:t>bptr</a:t>
+            </a:r>
+            <a:r>
+              <a:rPr lang="en-US" sz="2400" dirty="0" smtClean="0">
+                <a:latin typeface="+mj-lt"/>
+              </a:rPr>
+              <a:t>, memory must be allocated for a structure by using function </a:t>
+            </a:r>
+            <a:r>
+              <a:rPr lang="en-US" sz="2400" dirty="0" err="1" smtClean="0">
+                <a:latin typeface="+mj-lt"/>
+              </a:rPr>
+              <a:t>malloc</a:t>
+            </a:r>
+            <a:r>
+              <a:rPr lang="en-US" sz="2400" dirty="0" smtClean="0">
+                <a:latin typeface="+mj-lt"/>
+              </a:rPr>
+              <a:t>() or by adding declaration and assignment as given below.</a:t>
+            </a:r>
+          </a:p>
+          <a:p>
+            <a:endParaRPr lang="en-US" sz="2400" dirty="0">
+              <a:latin typeface="+mj-lt"/>
+            </a:endParaRPr>
+          </a:p>
+          <a:p>
+            <a:r>
+              <a:rPr lang="en-US" sz="3200" b="1" dirty="0" err="1">
+                <a:solidFill>
+                  <a:srgbClr val="FF0000"/>
+                </a:solidFill>
+                <a:latin typeface="+mj-lt"/>
+              </a:rPr>
+              <a:t>b</a:t>
+            </a:r>
+            <a:r>
+              <a:rPr lang="en-US" sz="3200" b="1" dirty="0" err="1" smtClean="0">
+                <a:solidFill>
+                  <a:srgbClr val="FF0000"/>
+                </a:solidFill>
+                <a:latin typeface="+mj-lt"/>
+              </a:rPr>
+              <a:t>ptr</a:t>
+            </a:r>
+            <a:r>
+              <a:rPr lang="en-US" sz="3200" b="1" dirty="0" smtClean="0">
+                <a:solidFill>
+                  <a:srgbClr val="FF0000"/>
+                </a:solidFill>
+                <a:latin typeface="+mj-lt"/>
+              </a:rPr>
+              <a:t>=&amp;b;</a:t>
+            </a:r>
+            <a:r>
+              <a:rPr lang="en-US" sz="2400" dirty="0" smtClean="0">
+                <a:latin typeface="+mj-lt"/>
+              </a:rPr>
+              <a:t>   //here the base address of b can be assigned to </a:t>
+            </a:r>
+            <a:r>
+              <a:rPr lang="en-US" sz="2400" dirty="0" err="1" smtClean="0">
+                <a:latin typeface="+mj-lt"/>
+              </a:rPr>
+              <a:t>bptr</a:t>
+            </a:r>
+            <a:r>
+              <a:rPr lang="en-US" sz="2400" dirty="0" smtClean="0">
+                <a:latin typeface="+mj-lt"/>
+              </a:rPr>
+              <a:t> pointer.</a:t>
+            </a:r>
+          </a:p>
+          <a:p>
+            <a:endParaRPr lang="en-US" sz="2400" dirty="0">
+              <a:latin typeface="+mj-lt"/>
+            </a:endParaRPr>
+          </a:p>
+          <a:p>
+            <a:r>
+              <a:rPr lang="en-US" sz="2400" dirty="0" smtClean="0">
+                <a:latin typeface="+mj-lt"/>
+              </a:rPr>
+              <a:t>An individual structure member can be accessed in terms of its corresponding pointer variable by writing</a:t>
+            </a:r>
+          </a:p>
+          <a:p>
+            <a:pPr marL="0" indent="0">
+              <a:buNone/>
+            </a:pPr>
+            <a:r>
+              <a:rPr lang="en-US" sz="2400" dirty="0">
+                <a:latin typeface="+mj-lt"/>
+              </a:rPr>
+              <a:t>	</a:t>
+            </a:r>
+            <a:r>
+              <a:rPr lang="en-US" sz="2400" dirty="0" smtClean="0">
+                <a:latin typeface="+mj-lt"/>
+              </a:rPr>
+              <a:t>		</a:t>
+            </a:r>
+            <a:r>
+              <a:rPr lang="en-US" sz="2400" b="1" dirty="0" err="1" smtClean="0">
+                <a:latin typeface="+mj-lt"/>
+              </a:rPr>
+              <a:t>ptr_variable</a:t>
+            </a:r>
+            <a:r>
+              <a:rPr lang="en-US" sz="2400" b="1" dirty="0" smtClean="0">
+                <a:latin typeface="+mj-lt"/>
+              </a:rPr>
+              <a:t> -&gt; member;</a:t>
+            </a:r>
+          </a:p>
+          <a:p>
+            <a:r>
+              <a:rPr lang="en-US" sz="2400" dirty="0" smtClean="0">
+                <a:latin typeface="+mj-lt"/>
+              </a:rPr>
+              <a:t>Here -&gt; is called arrow operator and there must be pointer to the structure on the left side of this operator.</a:t>
+            </a:r>
+          </a:p>
+          <a:p>
+            <a:endParaRPr lang="en-US" sz="2400" dirty="0" smtClean="0">
+              <a:latin typeface="+mj-lt"/>
+            </a:endParaRPr>
+          </a:p>
+          <a:p>
+            <a:r>
+              <a:rPr lang="en-US" sz="2400" dirty="0">
+                <a:latin typeface="+mj-lt"/>
+              </a:rPr>
+              <a:t>i</a:t>
+            </a:r>
+            <a:r>
+              <a:rPr lang="en-US" sz="2400" dirty="0" smtClean="0">
+                <a:latin typeface="+mj-lt"/>
+              </a:rPr>
+              <a:t>.e. Now the members name, pages and price of book can be accessed as</a:t>
+            </a:r>
+          </a:p>
+          <a:p>
+            <a:endParaRPr lang="en-US" sz="2400" dirty="0" smtClean="0">
+              <a:latin typeface="+mj-lt"/>
+            </a:endParaRPr>
+          </a:p>
+          <a:p>
+            <a:pPr marL="0" indent="0">
+              <a:buNone/>
+            </a:pPr>
+            <a:r>
+              <a:rPr lang="en-US" sz="2400" dirty="0" smtClean="0">
+                <a:latin typeface="+mj-lt"/>
+              </a:rPr>
+              <a:t>	</a:t>
+            </a:r>
+            <a:r>
+              <a:rPr lang="en-US" sz="2400" dirty="0" err="1" smtClean="0">
+                <a:latin typeface="+mj-lt"/>
+              </a:rPr>
+              <a:t>b.name</a:t>
+            </a:r>
+            <a:r>
+              <a:rPr lang="en-US" sz="2400" dirty="0" smtClean="0">
+                <a:latin typeface="+mj-lt"/>
+              </a:rPr>
+              <a:t>; 	OR 	</a:t>
+            </a:r>
+            <a:r>
+              <a:rPr lang="en-US" sz="2400" dirty="0" err="1" smtClean="0">
+                <a:latin typeface="+mj-lt"/>
+              </a:rPr>
+              <a:t>bptr</a:t>
+            </a:r>
+            <a:r>
+              <a:rPr lang="en-US" sz="2400" dirty="0" smtClean="0">
+                <a:latin typeface="+mj-lt"/>
+              </a:rPr>
+              <a:t>-&gt; name	OR	(*</a:t>
+            </a:r>
+            <a:r>
+              <a:rPr lang="en-US" sz="2400" dirty="0" err="1" smtClean="0">
+                <a:latin typeface="+mj-lt"/>
+              </a:rPr>
+              <a:t>bptr</a:t>
+            </a:r>
+            <a:r>
+              <a:rPr lang="en-US" sz="2400" dirty="0" smtClean="0">
+                <a:latin typeface="+mj-lt"/>
+              </a:rPr>
+              <a:t>).name</a:t>
+            </a:r>
+          </a:p>
+          <a:p>
+            <a:pPr marL="0" indent="0">
+              <a:buNone/>
+            </a:pPr>
+            <a:r>
+              <a:rPr lang="en-US" sz="2400" dirty="0" smtClean="0">
+                <a:latin typeface="+mj-lt"/>
+              </a:rPr>
+              <a:t>	</a:t>
+            </a:r>
+            <a:r>
+              <a:rPr lang="en-US" sz="2400" dirty="0" err="1" smtClean="0">
+                <a:latin typeface="+mj-lt"/>
+              </a:rPr>
+              <a:t>b.page</a:t>
+            </a:r>
+            <a:r>
+              <a:rPr lang="en-US" sz="2400" dirty="0" smtClean="0">
+                <a:latin typeface="+mj-lt"/>
+              </a:rPr>
+              <a:t>; 		OR 	</a:t>
+            </a:r>
+            <a:r>
+              <a:rPr lang="en-US" sz="2400" dirty="0" err="1" smtClean="0">
+                <a:latin typeface="+mj-lt"/>
+              </a:rPr>
+              <a:t>bptr</a:t>
+            </a:r>
+            <a:r>
+              <a:rPr lang="en-US" sz="2400" dirty="0" smtClean="0">
+                <a:latin typeface="+mj-lt"/>
+              </a:rPr>
+              <a:t>-&gt; page	OR	(*</a:t>
+            </a:r>
+            <a:r>
+              <a:rPr lang="en-US" sz="2400" dirty="0" err="1" smtClean="0">
+                <a:latin typeface="+mj-lt"/>
+              </a:rPr>
+              <a:t>bptr</a:t>
+            </a:r>
+            <a:r>
+              <a:rPr lang="en-US" sz="2400" dirty="0" smtClean="0">
+                <a:latin typeface="+mj-lt"/>
+              </a:rPr>
+              <a:t>). page</a:t>
+            </a:r>
+          </a:p>
+          <a:p>
+            <a:pPr marL="0" indent="0">
+              <a:buNone/>
+            </a:pPr>
+            <a:r>
+              <a:rPr lang="en-US" sz="2400" dirty="0" smtClean="0">
+                <a:latin typeface="+mj-lt"/>
+              </a:rPr>
+              <a:t>	</a:t>
+            </a:r>
+            <a:r>
+              <a:rPr lang="en-US" sz="2400" dirty="0" err="1" smtClean="0">
+                <a:latin typeface="+mj-lt"/>
+              </a:rPr>
+              <a:t>b.price</a:t>
+            </a:r>
+            <a:r>
+              <a:rPr lang="en-US" sz="2400" dirty="0" smtClean="0">
+                <a:latin typeface="+mj-lt"/>
+              </a:rPr>
+              <a:t>; </a:t>
+            </a:r>
+            <a:r>
+              <a:rPr lang="en-US" sz="2400" dirty="0">
+                <a:latin typeface="+mj-lt"/>
+              </a:rPr>
+              <a:t>	</a:t>
+            </a:r>
+            <a:r>
+              <a:rPr lang="en-US" sz="2400" dirty="0" smtClean="0">
+                <a:latin typeface="+mj-lt"/>
+              </a:rPr>
+              <a:t>	OR </a:t>
+            </a:r>
+            <a:r>
+              <a:rPr lang="en-US" sz="2400" dirty="0">
+                <a:latin typeface="+mj-lt"/>
+              </a:rPr>
+              <a:t>	</a:t>
+            </a:r>
+            <a:r>
+              <a:rPr lang="en-US" sz="2400" dirty="0" err="1">
+                <a:latin typeface="+mj-lt"/>
+              </a:rPr>
+              <a:t>bptr</a:t>
+            </a:r>
+            <a:r>
+              <a:rPr lang="en-US" sz="2400" dirty="0">
+                <a:latin typeface="+mj-lt"/>
+              </a:rPr>
+              <a:t>-&gt; </a:t>
+            </a:r>
+            <a:r>
+              <a:rPr lang="en-US" sz="2400" dirty="0" smtClean="0">
+                <a:latin typeface="+mj-lt"/>
+              </a:rPr>
+              <a:t>price</a:t>
+            </a:r>
+            <a:r>
+              <a:rPr lang="en-US" sz="2400" dirty="0">
+                <a:latin typeface="+mj-lt"/>
+              </a:rPr>
+              <a:t>	OR	(*</a:t>
+            </a:r>
+            <a:r>
+              <a:rPr lang="en-US" sz="2400" dirty="0" err="1">
+                <a:latin typeface="+mj-lt"/>
+              </a:rPr>
+              <a:t>bptr</a:t>
+            </a:r>
+            <a:r>
+              <a:rPr lang="en-US" sz="2400" dirty="0">
+                <a:latin typeface="+mj-lt"/>
+              </a:rPr>
+              <a:t>). </a:t>
+            </a:r>
+            <a:r>
+              <a:rPr lang="en-US" sz="2400" dirty="0" smtClean="0">
+                <a:latin typeface="+mj-lt"/>
+              </a:rPr>
+              <a:t>price</a:t>
+            </a:r>
+            <a:endParaRPr lang="en-US" sz="2400" dirty="0">
+              <a:latin typeface="+mj-lt"/>
+            </a:endParaRPr>
+          </a:p>
+          <a:p>
+            <a:pPr marL="0" indent="0">
+              <a:buNone/>
+            </a:pPr>
+            <a:endParaRPr lang="en-US" sz="2400" dirty="0" smtClean="0">
+              <a:latin typeface="+mj-lt"/>
+            </a:endParaRPr>
+          </a:p>
+          <a:p>
+            <a:pPr marL="0" indent="0">
+              <a:buNone/>
+            </a:pPr>
+            <a:endParaRPr lang="en-US" sz="2400" dirty="0" smtClean="0">
+              <a:latin typeface="+mj-lt"/>
+            </a:endParaRPr>
+          </a:p>
+          <a:p>
+            <a:pPr marL="0" indent="0">
+              <a:buNone/>
+            </a:pPr>
+            <a:endParaRPr lang="en-US" sz="2400" dirty="0" smtClean="0">
+              <a:latin typeface="+mj-lt"/>
+            </a:endParaRPr>
+          </a:p>
+        </p:txBody>
+      </p:sp>
+      <p:sp>
+        <p:nvSpPr>
+          <p:cNvPr id="4" name="Footer Placeholder 3"/>
+          <p:cNvSpPr>
+            <a:spLocks noGrp="1"/>
+          </p:cNvSpPr>
+          <p:nvPr>
+            <p:ph type="ftr" sz="quarter" idx="11"/>
+          </p:nvPr>
+        </p:nvSpPr>
+        <p:spPr/>
+        <p:txBody>
+          <a:bodyPr/>
+          <a:lstStyle/>
+          <a:p>
+            <a:r>
+              <a:rPr lang="en-US" smtClean="0"/>
+              <a:t>Ashim Lamichhane</a:t>
+            </a:r>
+            <a:endParaRPr lang="en-US"/>
+          </a:p>
+        </p:txBody>
+      </p:sp>
+      <p:sp>
+        <p:nvSpPr>
+          <p:cNvPr id="5" name="Slide Number Placeholder 4"/>
+          <p:cNvSpPr>
+            <a:spLocks noGrp="1"/>
+          </p:cNvSpPr>
+          <p:nvPr>
+            <p:ph type="sldNum" sz="quarter" idx="12"/>
+          </p:nvPr>
+        </p:nvSpPr>
+        <p:spPr/>
+        <p:txBody>
+          <a:bodyPr/>
+          <a:lstStyle/>
+          <a:p>
+            <a:fld id="{7D094B80-DE71-CC46-B9B3-AF1864E96B56}" type="slidenum">
+              <a:rPr lang="en-US" smtClean="0"/>
+              <a:t>22</a:t>
+            </a:fld>
+            <a:endParaRPr lang="en-US"/>
+          </a:p>
+        </p:txBody>
+      </p:sp>
+    </p:spTree>
+    <p:extLst>
+      <p:ext uri="{BB962C8B-B14F-4D97-AF65-F5344CB8AC3E}">
+        <p14:creationId xmlns:p14="http://schemas.microsoft.com/office/powerpoint/2010/main" val="1875541801"/>
+      </p:ext>
+    </p:extLst>
+  </p:cSld>
+  <p:clrMapOvr>
+    <a:masterClrMapping/>
+  </p:clrMapOvr>
+</p:sld>
+</file>
+
+<file path=ppt/slides/slide23.xml><?xml version="1.0" encoding="utf-8"?>
+<p:sld xmlns:a="http://schemas.openxmlformats.org/drawingml/2006/main" xmlns:r="http://schemas.openxmlformats.org/officeDocument/2006/relationships" xmlns:p="http://schemas.openxmlformats.org/presentationml/2006/main">
+  <p:cSld>
+    <p:spTree>
+      <p:nvGrpSpPr>
+        <p:cNvPr id="1" name=""/>
+        <p:cNvGrpSpPr/>
+        <p:nvPr/>
+      </p:nvGrpSpPr>
+      <p:grpSpPr>
+        <a:xfrm>
+          <a:off x="0" y="0"/>
+          <a:ext cx="0" cy="0"/>
+          <a:chOff x="0" y="0"/>
+          <a:chExt cx="0" cy="0"/>
+        </a:xfrm>
+      </p:grpSpPr>
+      <p:sp>
+        <p:nvSpPr>
+          <p:cNvPr id="2" name="Title 1"/>
+          <p:cNvSpPr>
+            <a:spLocks noGrp="1"/>
+          </p:cNvSpPr>
+          <p:nvPr>
+            <p:ph type="title"/>
+          </p:nvPr>
+        </p:nvSpPr>
+        <p:spPr>
+          <a:xfrm>
             <a:off x="838200" y="386641"/>
             <a:ext cx="10515600" cy="775186"/>
           </a:xfrm>
@@ -5577,10 +8665,167 @@
           </a:bodyPr>
           <a:lstStyle/>
           <a:p>
-            <a:r>
-              <a:rPr lang="en-US" sz="3600" dirty="0" smtClean="0"/>
-              <a:t>References:</a:t>
-            </a:r>
+            <a:endParaRPr lang="en-US" sz="3600" dirty="0"/>
+          </a:p>
+        </p:txBody>
+      </p:sp>
+      <p:pic>
+        <p:nvPicPr>
+          <p:cNvPr id="6" name="Content Placeholder 5"/>
+          <p:cNvPicPr>
+            <a:picLocks noGrp="1" noChangeAspect="1"/>
+          </p:cNvPicPr>
+          <p:nvPr>
+            <p:ph idx="1"/>
+          </p:nvPr>
+        </p:nvPicPr>
+        <p:blipFill>
+          <a:blip r:embed="rId2">
+            <a:extLst>
+              <a:ext uri="{28A0092B-C50C-407E-A947-70E740481C1C}">
+                <a14:useLocalDpi xmlns:a14="http://schemas.microsoft.com/office/drawing/2010/main" val="0"/>
+              </a:ext>
+            </a:extLst>
+          </a:blip>
+          <a:stretch>
+            <a:fillRect/>
+          </a:stretch>
+        </p:blipFill>
+        <p:spPr>
+          <a:xfrm>
+            <a:off x="0" y="0"/>
+            <a:ext cx="8744218" cy="6857999"/>
+          </a:xfrm>
+        </p:spPr>
+      </p:pic>
+      <p:sp>
+        <p:nvSpPr>
+          <p:cNvPr id="4" name="Footer Placeholder 3"/>
+          <p:cNvSpPr>
+            <a:spLocks noGrp="1"/>
+          </p:cNvSpPr>
+          <p:nvPr>
+            <p:ph type="ftr" sz="quarter" idx="11"/>
+          </p:nvPr>
+        </p:nvSpPr>
+        <p:spPr/>
+        <p:txBody>
+          <a:bodyPr/>
+          <a:lstStyle/>
+          <a:p>
+            <a:r>
+              <a:rPr lang="en-US" smtClean="0"/>
+              <a:t>Ashim Lamichhane</a:t>
+            </a:r>
+            <a:endParaRPr lang="en-US"/>
+          </a:p>
+        </p:txBody>
+      </p:sp>
+      <p:sp>
+        <p:nvSpPr>
+          <p:cNvPr id="5" name="Slide Number Placeholder 4"/>
+          <p:cNvSpPr>
+            <a:spLocks noGrp="1"/>
+          </p:cNvSpPr>
+          <p:nvPr>
+            <p:ph type="sldNum" sz="quarter" idx="12"/>
+          </p:nvPr>
+        </p:nvSpPr>
+        <p:spPr/>
+        <p:txBody>
+          <a:bodyPr/>
+          <a:lstStyle/>
+          <a:p>
+            <a:fld id="{7D094B80-DE71-CC46-B9B3-AF1864E96B56}" type="slidenum">
+              <a:rPr lang="en-US" smtClean="0"/>
+              <a:t>23</a:t>
+            </a:fld>
+            <a:endParaRPr lang="en-US"/>
+          </a:p>
+        </p:txBody>
+      </p:sp>
+      <p:pic>
+        <p:nvPicPr>
+          <p:cNvPr id="8" name="Picture 7"/>
+          <p:cNvPicPr>
+            <a:picLocks noChangeAspect="1"/>
+          </p:cNvPicPr>
+          <p:nvPr/>
+        </p:nvPicPr>
+        <p:blipFill>
+          <a:blip r:embed="rId3">
+            <a:extLst>
+              <a:ext uri="{28A0092B-C50C-407E-A947-70E740481C1C}">
+                <a14:useLocalDpi xmlns:a14="http://schemas.microsoft.com/office/drawing/2010/main" val="0"/>
+              </a:ext>
+            </a:extLst>
+          </a:blip>
+          <a:stretch>
+            <a:fillRect/>
+          </a:stretch>
+        </p:blipFill>
+        <p:spPr>
+          <a:xfrm>
+            <a:off x="4178300" y="0"/>
+            <a:ext cx="8013700" cy="2794000"/>
+          </a:xfrm>
+          <a:prstGeom prst="rect">
+            <a:avLst/>
+          </a:prstGeom>
+        </p:spPr>
+      </p:pic>
+    </p:spTree>
+    <p:extLst>
+      <p:ext uri="{BB962C8B-B14F-4D97-AF65-F5344CB8AC3E}">
+        <p14:creationId xmlns:p14="http://schemas.microsoft.com/office/powerpoint/2010/main" val="1792843671"/>
+      </p:ext>
+    </p:extLst>
+  </p:cSld>
+  <p:clrMapOvr>
+    <a:masterClrMapping/>
+  </p:clrMapOvr>
+</p:sld>
+</file>
+
+<file path=ppt/slides/slide24.xml><?xml version="1.0" encoding="utf-8"?>
+<p:sld xmlns:a="http://schemas.openxmlformats.org/drawingml/2006/main" xmlns:r="http://schemas.openxmlformats.org/officeDocument/2006/relationships" xmlns:p="http://schemas.openxmlformats.org/presentationml/2006/main">
+  <p:cSld>
+    <p:spTree>
+      <p:nvGrpSpPr>
+        <p:cNvPr id="1" name=""/>
+        <p:cNvGrpSpPr/>
+        <p:nvPr/>
+      </p:nvGrpSpPr>
+      <p:grpSpPr>
+        <a:xfrm>
+          <a:off x="0" y="0"/>
+          <a:ext cx="0" cy="0"/>
+          <a:chOff x="0" y="0"/>
+          <a:chExt cx="0" cy="0"/>
+        </a:xfrm>
+      </p:grpSpPr>
+      <p:sp>
+        <p:nvSpPr>
+          <p:cNvPr id="2" name="Title 1"/>
+          <p:cNvSpPr>
+            <a:spLocks noGrp="1"/>
+          </p:cNvSpPr>
+          <p:nvPr>
+            <p:ph type="title"/>
+          </p:nvPr>
+        </p:nvSpPr>
+        <p:spPr>
+          <a:xfrm>
+            <a:off x="838200" y="386641"/>
+            <a:ext cx="10515600" cy="775186"/>
+          </a:xfrm>
+        </p:spPr>
+        <p:txBody>
+          <a:bodyPr>
+            <a:normAutofit/>
+          </a:bodyPr>
+          <a:lstStyle/>
+          <a:p>
             <a:endParaRPr lang="en-US" sz="3600" dirty="0"/>
           </a:p>
         </p:txBody>
@@ -5607,54 +8852,6 @@
           </a:bodyPr>
           <a:lstStyle/>
           <a:p>
-            <a:r>
-              <a:rPr lang="en-US" sz="2400" dirty="0" smtClean="0">
-                <a:latin typeface="+mj-lt"/>
-                <a:hlinkClick r:id="rId2"/>
-              </a:rPr>
-              <a:t>http://www.studytonight.com/c/structures-in-c.php</a:t>
-            </a:r>
-            <a:endParaRPr lang="en-US" sz="2400" dirty="0" smtClean="0">
-              <a:latin typeface="+mj-lt"/>
-            </a:endParaRPr>
-          </a:p>
-          <a:p>
-            <a:r>
-              <a:rPr lang="en-US" sz="2400" dirty="0" smtClean="0">
-                <a:latin typeface="+mj-lt"/>
-                <a:hlinkClick r:id="rId3"/>
-              </a:rPr>
-              <a:t>http://www.tutorialspoint.com/cprogramming/c_structures.htm</a:t>
-            </a:r>
-            <a:endParaRPr lang="en-US" sz="2400" dirty="0" smtClean="0">
-              <a:latin typeface="+mj-lt"/>
-            </a:endParaRPr>
-          </a:p>
-          <a:p>
-            <a:r>
-              <a:rPr lang="en-US" sz="2400" dirty="0" smtClean="0">
-                <a:latin typeface="+mj-lt"/>
-                <a:hlinkClick r:id="rId4"/>
-              </a:rPr>
-              <a:t>http://www.javakode.com/c-programming/c-structures/</a:t>
-            </a:r>
-            <a:endParaRPr lang="en-US" sz="2400" dirty="0" smtClean="0">
-              <a:latin typeface="+mj-lt"/>
-            </a:endParaRPr>
-          </a:p>
-          <a:p>
-            <a:r>
-              <a:rPr lang="en-US" sz="2400" dirty="0" smtClean="0">
-                <a:latin typeface="+mj-lt"/>
-                <a:hlinkClick r:id="rId5"/>
-              </a:rPr>
-              <a:t>http://c.learncodethehardway.org/book/ex16.html</a:t>
-            </a:r>
-            <a:endParaRPr lang="en-US" sz="2400" dirty="0" smtClean="0">
-              <a:latin typeface="+mj-lt"/>
-            </a:endParaRPr>
-          </a:p>
-          <a:p>
             <a:endParaRPr lang="en-US" sz="2400" dirty="0">
               <a:latin typeface="+mj-lt"/>
             </a:endParaRPr>
@@ -5701,7 +8898,7 @@
           <a:p>
             <a:fld id="{7D094B80-DE71-CC46-B9B3-AF1864E96B56}" type="slidenum">
               <a:rPr lang="en-US" smtClean="0"/>
-              <a:t>21</a:t>
+              <a:t>24</a:t>
             </a:fld>
             <a:endParaRPr lang="en-US"/>
           </a:p>
@@ -5710,7 +8907,657 @@
     </p:spTree>
     <p:extLst>
       <p:ext uri="{BB962C8B-B14F-4D97-AF65-F5344CB8AC3E}">
-        <p14:creationId xmlns:p14="http://schemas.microsoft.com/office/powerpoint/2010/main" val="1557035260"/>
+        <p14:creationId xmlns:p14="http://schemas.microsoft.com/office/powerpoint/2010/main" val="1739032906"/>
+      </p:ext>
+    </p:extLst>
+  </p:cSld>
+  <p:clrMapOvr>
+    <a:masterClrMapping/>
+  </p:clrMapOvr>
+</p:sld>
+</file>
+
+<file path=ppt/slides/slide25.xml><?xml version="1.0" encoding="utf-8"?>
+<p:sld xmlns:a="http://schemas.openxmlformats.org/drawingml/2006/main" xmlns:r="http://schemas.openxmlformats.org/officeDocument/2006/relationships" xmlns:p="http://schemas.openxmlformats.org/presentationml/2006/main">
+  <p:cSld>
+    <p:spTree>
+      <p:nvGrpSpPr>
+        <p:cNvPr id="1" name=""/>
+        <p:cNvGrpSpPr/>
+        <p:nvPr/>
+      </p:nvGrpSpPr>
+      <p:grpSpPr>
+        <a:xfrm>
+          <a:off x="0" y="0"/>
+          <a:ext cx="0" cy="0"/>
+          <a:chOff x="0" y="0"/>
+          <a:chExt cx="0" cy="0"/>
+        </a:xfrm>
+      </p:grpSpPr>
+      <p:sp>
+        <p:nvSpPr>
+          <p:cNvPr id="2" name="Title 1"/>
+          <p:cNvSpPr>
+            <a:spLocks noGrp="1"/>
+          </p:cNvSpPr>
+          <p:nvPr>
+            <p:ph type="title"/>
+          </p:nvPr>
+        </p:nvSpPr>
+        <p:spPr>
+          <a:xfrm>
+            <a:off x="838200" y="386641"/>
+            <a:ext cx="10515600" cy="775186"/>
+          </a:xfrm>
+        </p:spPr>
+        <p:txBody>
+          <a:bodyPr>
+            <a:normAutofit/>
+          </a:bodyPr>
+          <a:lstStyle/>
+          <a:p>
+            <a:endParaRPr lang="en-US" sz="3600" dirty="0"/>
+          </a:p>
+        </p:txBody>
+      </p:sp>
+      <p:sp>
+        <p:nvSpPr>
+          <p:cNvPr id="3" name="Content Placeholder 2"/>
+          <p:cNvSpPr>
+            <a:spLocks noGrp="1"/>
+          </p:cNvSpPr>
+          <p:nvPr>
+            <p:ph idx="1"/>
+          </p:nvPr>
+        </p:nvSpPr>
+        <p:spPr>
+          <a:xfrm>
+            <a:off x="838200" y="1398494"/>
+            <a:ext cx="10515600" cy="4778469"/>
+          </a:xfrm>
+        </p:spPr>
+        <p:txBody>
+          <a:bodyPr>
+            <a:normAutofit/>
+          </a:bodyPr>
+          <a:lstStyle/>
+          <a:p>
+            <a:endParaRPr lang="en-US" sz="2400" dirty="0">
+              <a:latin typeface="+mj-lt"/>
+            </a:endParaRPr>
+          </a:p>
+        </p:txBody>
+      </p:sp>
+      <p:sp>
+        <p:nvSpPr>
+          <p:cNvPr id="4" name="Footer Placeholder 3"/>
+          <p:cNvSpPr>
+            <a:spLocks noGrp="1"/>
+          </p:cNvSpPr>
+          <p:nvPr>
+            <p:ph type="ftr" sz="quarter" idx="11"/>
+          </p:nvPr>
+        </p:nvSpPr>
+        <p:spPr/>
+        <p:txBody>
+          <a:bodyPr/>
+          <a:lstStyle/>
+          <a:p>
+            <a:r>
+              <a:rPr lang="en-US" smtClean="0"/>
+              <a:t>Ashim Lamichhane</a:t>
+            </a:r>
+            <a:endParaRPr lang="en-US"/>
+          </a:p>
+        </p:txBody>
+      </p:sp>
+      <p:sp>
+        <p:nvSpPr>
+          <p:cNvPr id="5" name="Slide Number Placeholder 4"/>
+          <p:cNvSpPr>
+            <a:spLocks noGrp="1"/>
+          </p:cNvSpPr>
+          <p:nvPr>
+            <p:ph type="sldNum" sz="quarter" idx="12"/>
+          </p:nvPr>
+        </p:nvSpPr>
+        <p:spPr/>
+        <p:txBody>
+          <a:bodyPr/>
+          <a:lstStyle/>
+          <a:p>
+            <a:fld id="{7D094B80-DE71-CC46-B9B3-AF1864E96B56}" type="slidenum">
+              <a:rPr lang="en-US" smtClean="0"/>
+              <a:t>25</a:t>
+            </a:fld>
+            <a:endParaRPr lang="en-US"/>
+          </a:p>
+        </p:txBody>
+      </p:sp>
+    </p:spTree>
+    <p:extLst>
+      <p:ext uri="{BB962C8B-B14F-4D97-AF65-F5344CB8AC3E}">
+        <p14:creationId xmlns:p14="http://schemas.microsoft.com/office/powerpoint/2010/main" val="765320061"/>
+      </p:ext>
+    </p:extLst>
+  </p:cSld>
+  <p:clrMapOvr>
+    <a:masterClrMapping/>
+  </p:clrMapOvr>
+</p:sld>
+</file>
+
+<file path=ppt/slides/slide26.xml><?xml version="1.0" encoding="utf-8"?>
+<p:sld xmlns:a="http://schemas.openxmlformats.org/drawingml/2006/main" xmlns:r="http://schemas.openxmlformats.org/officeDocument/2006/relationships" xmlns:p="http://schemas.openxmlformats.org/presentationml/2006/main">
+  <p:cSld>
+    <p:spTree>
+      <p:nvGrpSpPr>
+        <p:cNvPr id="1" name=""/>
+        <p:cNvGrpSpPr/>
+        <p:nvPr/>
+      </p:nvGrpSpPr>
+      <p:grpSpPr>
+        <a:xfrm>
+          <a:off x="0" y="0"/>
+          <a:ext cx="0" cy="0"/>
+          <a:chOff x="0" y="0"/>
+          <a:chExt cx="0" cy="0"/>
+        </a:xfrm>
+      </p:grpSpPr>
+      <p:sp>
+        <p:nvSpPr>
+          <p:cNvPr id="2" name="Title 1"/>
+          <p:cNvSpPr>
+            <a:spLocks noGrp="1"/>
+          </p:cNvSpPr>
+          <p:nvPr>
+            <p:ph type="title"/>
+          </p:nvPr>
+        </p:nvSpPr>
+        <p:spPr>
+          <a:xfrm>
+            <a:off x="838200" y="386641"/>
+            <a:ext cx="10515600" cy="775186"/>
+          </a:xfrm>
+        </p:spPr>
+        <p:txBody>
+          <a:bodyPr>
+            <a:normAutofit/>
+          </a:bodyPr>
+          <a:lstStyle/>
+          <a:p>
+            <a:endParaRPr lang="en-US" sz="3600" dirty="0"/>
+          </a:p>
+        </p:txBody>
+      </p:sp>
+      <p:sp>
+        <p:nvSpPr>
+          <p:cNvPr id="3" name="Content Placeholder 2"/>
+          <p:cNvSpPr>
+            <a:spLocks noGrp="1"/>
+          </p:cNvSpPr>
+          <p:nvPr>
+            <p:ph idx="1"/>
+          </p:nvPr>
+        </p:nvSpPr>
+        <p:spPr>
+          <a:xfrm>
+            <a:off x="838200" y="1398494"/>
+            <a:ext cx="10515600" cy="4778469"/>
+          </a:xfrm>
+        </p:spPr>
+        <p:txBody>
+          <a:bodyPr>
+            <a:normAutofit/>
+          </a:bodyPr>
+          <a:lstStyle/>
+          <a:p>
+            <a:endParaRPr lang="en-US" sz="2400" dirty="0">
+              <a:latin typeface="+mj-lt"/>
+            </a:endParaRPr>
+          </a:p>
+        </p:txBody>
+      </p:sp>
+      <p:sp>
+        <p:nvSpPr>
+          <p:cNvPr id="4" name="Footer Placeholder 3"/>
+          <p:cNvSpPr>
+            <a:spLocks noGrp="1"/>
+          </p:cNvSpPr>
+          <p:nvPr>
+            <p:ph type="ftr" sz="quarter" idx="11"/>
+          </p:nvPr>
+        </p:nvSpPr>
+        <p:spPr/>
+        <p:txBody>
+          <a:bodyPr/>
+          <a:lstStyle/>
+          <a:p>
+            <a:r>
+              <a:rPr lang="en-US" smtClean="0"/>
+              <a:t>Ashim Lamichhane</a:t>
+            </a:r>
+            <a:endParaRPr lang="en-US"/>
+          </a:p>
+        </p:txBody>
+      </p:sp>
+      <p:sp>
+        <p:nvSpPr>
+          <p:cNvPr id="5" name="Slide Number Placeholder 4"/>
+          <p:cNvSpPr>
+            <a:spLocks noGrp="1"/>
+          </p:cNvSpPr>
+          <p:nvPr>
+            <p:ph type="sldNum" sz="quarter" idx="12"/>
+          </p:nvPr>
+        </p:nvSpPr>
+        <p:spPr/>
+        <p:txBody>
+          <a:bodyPr/>
+          <a:lstStyle/>
+          <a:p>
+            <a:fld id="{7D094B80-DE71-CC46-B9B3-AF1864E96B56}" type="slidenum">
+              <a:rPr lang="en-US" smtClean="0"/>
+              <a:t>26</a:t>
+            </a:fld>
+            <a:endParaRPr lang="en-US"/>
+          </a:p>
+        </p:txBody>
+      </p:sp>
+    </p:spTree>
+    <p:extLst>
+      <p:ext uri="{BB962C8B-B14F-4D97-AF65-F5344CB8AC3E}">
+        <p14:creationId xmlns:p14="http://schemas.microsoft.com/office/powerpoint/2010/main" val="1126161016"/>
+      </p:ext>
+    </p:extLst>
+  </p:cSld>
+  <p:clrMapOvr>
+    <a:masterClrMapping/>
+  </p:clrMapOvr>
+</p:sld>
+</file>
+
+<file path=ppt/slides/slide27.xml><?xml version="1.0" encoding="utf-8"?>
+<p:sld xmlns:a="http://schemas.openxmlformats.org/drawingml/2006/main" xmlns:r="http://schemas.openxmlformats.org/officeDocument/2006/relationships" xmlns:p="http://schemas.openxmlformats.org/presentationml/2006/main">
+  <p:cSld>
+    <p:spTree>
+      <p:nvGrpSpPr>
+        <p:cNvPr id="1" name=""/>
+        <p:cNvGrpSpPr/>
+        <p:nvPr/>
+      </p:nvGrpSpPr>
+      <p:grpSpPr>
+        <a:xfrm>
+          <a:off x="0" y="0"/>
+          <a:ext cx="0" cy="0"/>
+          <a:chOff x="0" y="0"/>
+          <a:chExt cx="0" cy="0"/>
+        </a:xfrm>
+      </p:grpSpPr>
+      <p:sp>
+        <p:nvSpPr>
+          <p:cNvPr id="2" name="Title 1"/>
+          <p:cNvSpPr>
+            <a:spLocks noGrp="1"/>
+          </p:cNvSpPr>
+          <p:nvPr>
+            <p:ph type="title"/>
+          </p:nvPr>
+        </p:nvSpPr>
+        <p:spPr>
+          <a:xfrm>
+            <a:off x="838200" y="386641"/>
+            <a:ext cx="10515600" cy="775186"/>
+          </a:xfrm>
+        </p:spPr>
+        <p:txBody>
+          <a:bodyPr>
+            <a:normAutofit/>
+          </a:bodyPr>
+          <a:lstStyle/>
+          <a:p>
+            <a:endParaRPr lang="en-US" sz="3600" dirty="0"/>
+          </a:p>
+        </p:txBody>
+      </p:sp>
+      <p:sp>
+        <p:nvSpPr>
+          <p:cNvPr id="3" name="Content Placeholder 2"/>
+          <p:cNvSpPr>
+            <a:spLocks noGrp="1"/>
+          </p:cNvSpPr>
+          <p:nvPr>
+            <p:ph idx="1"/>
+          </p:nvPr>
+        </p:nvSpPr>
+        <p:spPr>
+          <a:xfrm>
+            <a:off x="838200" y="1398494"/>
+            <a:ext cx="10515600" cy="4778469"/>
+          </a:xfrm>
+        </p:spPr>
+        <p:txBody>
+          <a:bodyPr>
+            <a:normAutofit/>
+          </a:bodyPr>
+          <a:lstStyle/>
+          <a:p>
+            <a:endParaRPr lang="en-US" sz="2400" dirty="0">
+              <a:latin typeface="+mj-lt"/>
+            </a:endParaRPr>
+          </a:p>
+        </p:txBody>
+      </p:sp>
+      <p:sp>
+        <p:nvSpPr>
+          <p:cNvPr id="4" name="Footer Placeholder 3"/>
+          <p:cNvSpPr>
+            <a:spLocks noGrp="1"/>
+          </p:cNvSpPr>
+          <p:nvPr>
+            <p:ph type="ftr" sz="quarter" idx="11"/>
+          </p:nvPr>
+        </p:nvSpPr>
+        <p:spPr/>
+        <p:txBody>
+          <a:bodyPr/>
+          <a:lstStyle/>
+          <a:p>
+            <a:r>
+              <a:rPr lang="en-US" smtClean="0"/>
+              <a:t>Ashim Lamichhane</a:t>
+            </a:r>
+            <a:endParaRPr lang="en-US"/>
+          </a:p>
+        </p:txBody>
+      </p:sp>
+      <p:sp>
+        <p:nvSpPr>
+          <p:cNvPr id="5" name="Slide Number Placeholder 4"/>
+          <p:cNvSpPr>
+            <a:spLocks noGrp="1"/>
+          </p:cNvSpPr>
+          <p:nvPr>
+            <p:ph type="sldNum" sz="quarter" idx="12"/>
+          </p:nvPr>
+        </p:nvSpPr>
+        <p:spPr/>
+        <p:txBody>
+          <a:bodyPr/>
+          <a:lstStyle/>
+          <a:p>
+            <a:fld id="{7D094B80-DE71-CC46-B9B3-AF1864E96B56}" type="slidenum">
+              <a:rPr lang="en-US" smtClean="0"/>
+              <a:t>27</a:t>
+            </a:fld>
+            <a:endParaRPr lang="en-US"/>
+          </a:p>
+        </p:txBody>
+      </p:sp>
+    </p:spTree>
+    <p:extLst>
+      <p:ext uri="{BB962C8B-B14F-4D97-AF65-F5344CB8AC3E}">
+        <p14:creationId xmlns:p14="http://schemas.microsoft.com/office/powerpoint/2010/main" val="590511635"/>
+      </p:ext>
+    </p:extLst>
+  </p:cSld>
+  <p:clrMapOvr>
+    <a:masterClrMapping/>
+  </p:clrMapOvr>
+</p:sld>
+</file>
+
+<file path=ppt/slides/slide28.xml><?xml version="1.0" encoding="utf-8"?>
+<p:sld xmlns:a="http://schemas.openxmlformats.org/drawingml/2006/main" xmlns:r="http://schemas.openxmlformats.org/officeDocument/2006/relationships" xmlns:p="http://schemas.openxmlformats.org/presentationml/2006/main">
+  <p:cSld>
+    <p:spTree>
+      <p:nvGrpSpPr>
+        <p:cNvPr id="1" name=""/>
+        <p:cNvGrpSpPr/>
+        <p:nvPr/>
+      </p:nvGrpSpPr>
+      <p:grpSpPr>
+        <a:xfrm>
+          <a:off x="0" y="0"/>
+          <a:ext cx="0" cy="0"/>
+          <a:chOff x="0" y="0"/>
+          <a:chExt cx="0" cy="0"/>
+        </a:xfrm>
+      </p:grpSpPr>
+      <p:sp>
+        <p:nvSpPr>
+          <p:cNvPr id="2" name="Title 1"/>
+          <p:cNvSpPr>
+            <a:spLocks noGrp="1"/>
+          </p:cNvSpPr>
+          <p:nvPr>
+            <p:ph type="title"/>
+          </p:nvPr>
+        </p:nvSpPr>
+        <p:spPr>
+          <a:xfrm>
+            <a:off x="838200" y="386641"/>
+            <a:ext cx="10515600" cy="775186"/>
+          </a:xfrm>
+        </p:spPr>
+        <p:txBody>
+          <a:bodyPr>
+            <a:normAutofit/>
+          </a:bodyPr>
+          <a:lstStyle/>
+          <a:p>
+            <a:endParaRPr lang="en-US" sz="3600" dirty="0"/>
+          </a:p>
+        </p:txBody>
+      </p:sp>
+      <p:sp>
+        <p:nvSpPr>
+          <p:cNvPr id="3" name="Content Placeholder 2"/>
+          <p:cNvSpPr>
+            <a:spLocks noGrp="1"/>
+          </p:cNvSpPr>
+          <p:nvPr>
+            <p:ph idx="1"/>
+          </p:nvPr>
+        </p:nvSpPr>
+        <p:spPr>
+          <a:xfrm>
+            <a:off x="838200" y="1398494"/>
+            <a:ext cx="10515600" cy="4778469"/>
+          </a:xfrm>
+        </p:spPr>
+        <p:txBody>
+          <a:bodyPr>
+            <a:normAutofit/>
+          </a:bodyPr>
+          <a:lstStyle/>
+          <a:p>
+            <a:endParaRPr lang="en-US" sz="2400" dirty="0">
+              <a:latin typeface="+mj-lt"/>
+            </a:endParaRPr>
+          </a:p>
+        </p:txBody>
+      </p:sp>
+      <p:sp>
+        <p:nvSpPr>
+          <p:cNvPr id="4" name="Footer Placeholder 3"/>
+          <p:cNvSpPr>
+            <a:spLocks noGrp="1"/>
+          </p:cNvSpPr>
+          <p:nvPr>
+            <p:ph type="ftr" sz="quarter" idx="11"/>
+          </p:nvPr>
+        </p:nvSpPr>
+        <p:spPr/>
+        <p:txBody>
+          <a:bodyPr/>
+          <a:lstStyle/>
+          <a:p>
+            <a:r>
+              <a:rPr lang="en-US" smtClean="0"/>
+              <a:t>Ashim Lamichhane</a:t>
+            </a:r>
+            <a:endParaRPr lang="en-US"/>
+          </a:p>
+        </p:txBody>
+      </p:sp>
+      <p:sp>
+        <p:nvSpPr>
+          <p:cNvPr id="5" name="Slide Number Placeholder 4"/>
+          <p:cNvSpPr>
+            <a:spLocks noGrp="1"/>
+          </p:cNvSpPr>
+          <p:nvPr>
+            <p:ph type="sldNum" sz="quarter" idx="12"/>
+          </p:nvPr>
+        </p:nvSpPr>
+        <p:spPr/>
+        <p:txBody>
+          <a:bodyPr/>
+          <a:lstStyle/>
+          <a:p>
+            <a:fld id="{7D094B80-DE71-CC46-B9B3-AF1864E96B56}" type="slidenum">
+              <a:rPr lang="en-US" smtClean="0"/>
+              <a:t>28</a:t>
+            </a:fld>
+            <a:endParaRPr lang="en-US"/>
+          </a:p>
+        </p:txBody>
+      </p:sp>
+    </p:spTree>
+    <p:extLst>
+      <p:ext uri="{BB962C8B-B14F-4D97-AF65-F5344CB8AC3E}">
+        <p14:creationId xmlns:p14="http://schemas.microsoft.com/office/powerpoint/2010/main" val="1441565290"/>
+      </p:ext>
+    </p:extLst>
+  </p:cSld>
+  <p:clrMapOvr>
+    <a:masterClrMapping/>
+  </p:clrMapOvr>
+</p:sld>
+</file>
+
+<file path=ppt/slides/slide29.xml><?xml version="1.0" encoding="utf-8"?>
+<p:sld xmlns:a="http://schemas.openxmlformats.org/drawingml/2006/main" xmlns:r="http://schemas.openxmlformats.org/officeDocument/2006/relationships" xmlns:p="http://schemas.openxmlformats.org/presentationml/2006/main">
+  <p:cSld>
+    <p:spTree>
+      <p:nvGrpSpPr>
+        <p:cNvPr id="1" name=""/>
+        <p:cNvGrpSpPr/>
+        <p:nvPr/>
+      </p:nvGrpSpPr>
+      <p:grpSpPr>
+        <a:xfrm>
+          <a:off x="0" y="0"/>
+          <a:ext cx="0" cy="0"/>
+          <a:chOff x="0" y="0"/>
+          <a:chExt cx="0" cy="0"/>
+        </a:xfrm>
+      </p:grpSpPr>
+      <p:sp>
+        <p:nvSpPr>
+          <p:cNvPr id="2" name="Title 1"/>
+          <p:cNvSpPr>
+            <a:spLocks noGrp="1"/>
+          </p:cNvSpPr>
+          <p:nvPr>
+            <p:ph type="title"/>
+          </p:nvPr>
+        </p:nvSpPr>
+        <p:spPr>
+          <a:xfrm>
+            <a:off x="838200" y="386641"/>
+            <a:ext cx="10515600" cy="775186"/>
+          </a:xfrm>
+        </p:spPr>
+        <p:txBody>
+          <a:bodyPr>
+            <a:normAutofit/>
+          </a:bodyPr>
+          <a:lstStyle/>
+          <a:p>
+            <a:endParaRPr lang="en-US" sz="3600" dirty="0"/>
+          </a:p>
+        </p:txBody>
+      </p:sp>
+      <p:sp>
+        <p:nvSpPr>
+          <p:cNvPr id="3" name="Content Placeholder 2"/>
+          <p:cNvSpPr>
+            <a:spLocks noGrp="1"/>
+          </p:cNvSpPr>
+          <p:nvPr>
+            <p:ph idx="1"/>
+          </p:nvPr>
+        </p:nvSpPr>
+        <p:spPr>
+          <a:xfrm>
+            <a:off x="838200" y="1398494"/>
+            <a:ext cx="10515600" cy="4778469"/>
+          </a:xfrm>
+        </p:spPr>
+        <p:txBody>
+          <a:bodyPr>
+            <a:normAutofit/>
+          </a:bodyPr>
+          <a:lstStyle/>
+          <a:p>
+            <a:endParaRPr lang="en-US" sz="2400" dirty="0">
+              <a:latin typeface="+mj-lt"/>
+            </a:endParaRPr>
+          </a:p>
+        </p:txBody>
+      </p:sp>
+      <p:sp>
+        <p:nvSpPr>
+          <p:cNvPr id="4" name="Footer Placeholder 3"/>
+          <p:cNvSpPr>
+            <a:spLocks noGrp="1"/>
+          </p:cNvSpPr>
+          <p:nvPr>
+            <p:ph type="ftr" sz="quarter" idx="11"/>
+          </p:nvPr>
+        </p:nvSpPr>
+        <p:spPr/>
+        <p:txBody>
+          <a:bodyPr/>
+          <a:lstStyle/>
+          <a:p>
+            <a:r>
+              <a:rPr lang="en-US" smtClean="0"/>
+              <a:t>Ashim Lamichhane</a:t>
+            </a:r>
+            <a:endParaRPr lang="en-US"/>
+          </a:p>
+        </p:txBody>
+      </p:sp>
+      <p:sp>
+        <p:nvSpPr>
+          <p:cNvPr id="5" name="Slide Number Placeholder 4"/>
+          <p:cNvSpPr>
+            <a:spLocks noGrp="1"/>
+          </p:cNvSpPr>
+          <p:nvPr>
+            <p:ph type="sldNum" sz="quarter" idx="12"/>
+          </p:nvPr>
+        </p:nvSpPr>
+        <p:spPr/>
+        <p:txBody>
+          <a:bodyPr/>
+          <a:lstStyle/>
+          <a:p>
+            <a:fld id="{7D094B80-DE71-CC46-B9B3-AF1864E96B56}" type="slidenum">
+              <a:rPr lang="en-US" smtClean="0"/>
+              <a:t>29</a:t>
+            </a:fld>
+            <a:endParaRPr lang="en-US"/>
+          </a:p>
+        </p:txBody>
+      </p:sp>
+    </p:spTree>
+    <p:extLst>
+      <p:ext uri="{BB962C8B-B14F-4D97-AF65-F5344CB8AC3E}">
+        <p14:creationId xmlns:p14="http://schemas.microsoft.com/office/powerpoint/2010/main" val="1191476603"/>
       </p:ext>
     </p:extLst>
   </p:cSld>
@@ -5897,6 +9744,578 @@
     <p:extLst>
       <p:ext uri="{BB962C8B-B14F-4D97-AF65-F5344CB8AC3E}">
         <p14:creationId xmlns:p14="http://schemas.microsoft.com/office/powerpoint/2010/main" val="1565289696"/>
+      </p:ext>
+    </p:extLst>
+  </p:cSld>
+  <p:clrMapOvr>
+    <a:masterClrMapping/>
+  </p:clrMapOvr>
+</p:sld>
+</file>
+
+<file path=ppt/slides/slide30.xml><?xml version="1.0" encoding="utf-8"?>
+<p:sld xmlns:a="http://schemas.openxmlformats.org/drawingml/2006/main" xmlns:r="http://schemas.openxmlformats.org/officeDocument/2006/relationships" xmlns:p="http://schemas.openxmlformats.org/presentationml/2006/main">
+  <p:cSld>
+    <p:spTree>
+      <p:nvGrpSpPr>
+        <p:cNvPr id="1" name=""/>
+        <p:cNvGrpSpPr/>
+        <p:nvPr/>
+      </p:nvGrpSpPr>
+      <p:grpSpPr>
+        <a:xfrm>
+          <a:off x="0" y="0"/>
+          <a:ext cx="0" cy="0"/>
+          <a:chOff x="0" y="0"/>
+          <a:chExt cx="0" cy="0"/>
+        </a:xfrm>
+      </p:grpSpPr>
+      <p:sp>
+        <p:nvSpPr>
+          <p:cNvPr id="2" name="Title 1"/>
+          <p:cNvSpPr>
+            <a:spLocks noGrp="1"/>
+          </p:cNvSpPr>
+          <p:nvPr>
+            <p:ph type="title"/>
+          </p:nvPr>
+        </p:nvSpPr>
+        <p:spPr>
+          <a:xfrm>
+            <a:off x="838200" y="386641"/>
+            <a:ext cx="10515600" cy="775186"/>
+          </a:xfrm>
+        </p:spPr>
+        <p:txBody>
+          <a:bodyPr>
+            <a:normAutofit/>
+          </a:bodyPr>
+          <a:lstStyle/>
+          <a:p>
+            <a:endParaRPr lang="en-US" sz="3600" dirty="0"/>
+          </a:p>
+        </p:txBody>
+      </p:sp>
+      <p:sp>
+        <p:nvSpPr>
+          <p:cNvPr id="3" name="Content Placeholder 2"/>
+          <p:cNvSpPr>
+            <a:spLocks noGrp="1"/>
+          </p:cNvSpPr>
+          <p:nvPr>
+            <p:ph idx="1"/>
+          </p:nvPr>
+        </p:nvSpPr>
+        <p:spPr>
+          <a:xfrm>
+            <a:off x="838200" y="1398494"/>
+            <a:ext cx="10515600" cy="4778469"/>
+          </a:xfrm>
+        </p:spPr>
+        <p:txBody>
+          <a:bodyPr>
+            <a:normAutofit/>
+          </a:bodyPr>
+          <a:lstStyle/>
+          <a:p>
+            <a:endParaRPr lang="en-US" sz="2400" dirty="0">
+              <a:latin typeface="+mj-lt"/>
+            </a:endParaRPr>
+          </a:p>
+        </p:txBody>
+      </p:sp>
+      <p:sp>
+        <p:nvSpPr>
+          <p:cNvPr id="4" name="Footer Placeholder 3"/>
+          <p:cNvSpPr>
+            <a:spLocks noGrp="1"/>
+          </p:cNvSpPr>
+          <p:nvPr>
+            <p:ph type="ftr" sz="quarter" idx="11"/>
+          </p:nvPr>
+        </p:nvSpPr>
+        <p:spPr/>
+        <p:txBody>
+          <a:bodyPr/>
+          <a:lstStyle/>
+          <a:p>
+            <a:r>
+              <a:rPr lang="en-US" smtClean="0"/>
+              <a:t>Ashim Lamichhane</a:t>
+            </a:r>
+            <a:endParaRPr lang="en-US"/>
+          </a:p>
+        </p:txBody>
+      </p:sp>
+      <p:sp>
+        <p:nvSpPr>
+          <p:cNvPr id="5" name="Slide Number Placeholder 4"/>
+          <p:cNvSpPr>
+            <a:spLocks noGrp="1"/>
+          </p:cNvSpPr>
+          <p:nvPr>
+            <p:ph type="sldNum" sz="quarter" idx="12"/>
+          </p:nvPr>
+        </p:nvSpPr>
+        <p:spPr/>
+        <p:txBody>
+          <a:bodyPr/>
+          <a:lstStyle/>
+          <a:p>
+            <a:fld id="{7D094B80-DE71-CC46-B9B3-AF1864E96B56}" type="slidenum">
+              <a:rPr lang="en-US" smtClean="0"/>
+              <a:t>30</a:t>
+            </a:fld>
+            <a:endParaRPr lang="en-US"/>
+          </a:p>
+        </p:txBody>
+      </p:sp>
+    </p:spTree>
+    <p:extLst>
+      <p:ext uri="{BB962C8B-B14F-4D97-AF65-F5344CB8AC3E}">
+        <p14:creationId xmlns:p14="http://schemas.microsoft.com/office/powerpoint/2010/main" val="1068713905"/>
+      </p:ext>
+    </p:extLst>
+  </p:cSld>
+  <p:clrMapOvr>
+    <a:masterClrMapping/>
+  </p:clrMapOvr>
+</p:sld>
+</file>
+
+<file path=ppt/slides/slide31.xml><?xml version="1.0" encoding="utf-8"?>
+<p:sld xmlns:a="http://schemas.openxmlformats.org/drawingml/2006/main" xmlns:r="http://schemas.openxmlformats.org/officeDocument/2006/relationships" xmlns:p="http://schemas.openxmlformats.org/presentationml/2006/main">
+  <p:cSld>
+    <p:spTree>
+      <p:nvGrpSpPr>
+        <p:cNvPr id="1" name=""/>
+        <p:cNvGrpSpPr/>
+        <p:nvPr/>
+      </p:nvGrpSpPr>
+      <p:grpSpPr>
+        <a:xfrm>
+          <a:off x="0" y="0"/>
+          <a:ext cx="0" cy="0"/>
+          <a:chOff x="0" y="0"/>
+          <a:chExt cx="0" cy="0"/>
+        </a:xfrm>
+      </p:grpSpPr>
+      <p:sp>
+        <p:nvSpPr>
+          <p:cNvPr id="2" name="Title 1"/>
+          <p:cNvSpPr>
+            <a:spLocks noGrp="1"/>
+          </p:cNvSpPr>
+          <p:nvPr>
+            <p:ph type="title"/>
+          </p:nvPr>
+        </p:nvSpPr>
+        <p:spPr>
+          <a:xfrm>
+            <a:off x="838200" y="386641"/>
+            <a:ext cx="10515600" cy="775186"/>
+          </a:xfrm>
+        </p:spPr>
+        <p:txBody>
+          <a:bodyPr>
+            <a:normAutofit/>
+          </a:bodyPr>
+          <a:lstStyle/>
+          <a:p>
+            <a:endParaRPr lang="en-US" sz="3600" dirty="0"/>
+          </a:p>
+        </p:txBody>
+      </p:sp>
+      <p:sp>
+        <p:nvSpPr>
+          <p:cNvPr id="3" name="Content Placeholder 2"/>
+          <p:cNvSpPr>
+            <a:spLocks noGrp="1"/>
+          </p:cNvSpPr>
+          <p:nvPr>
+            <p:ph idx="1"/>
+          </p:nvPr>
+        </p:nvSpPr>
+        <p:spPr>
+          <a:xfrm>
+            <a:off x="838200" y="1398494"/>
+            <a:ext cx="10515600" cy="4778469"/>
+          </a:xfrm>
+        </p:spPr>
+        <p:txBody>
+          <a:bodyPr>
+            <a:normAutofit/>
+          </a:bodyPr>
+          <a:lstStyle/>
+          <a:p>
+            <a:endParaRPr lang="en-US" sz="2400" dirty="0">
+              <a:latin typeface="+mj-lt"/>
+            </a:endParaRPr>
+          </a:p>
+        </p:txBody>
+      </p:sp>
+      <p:sp>
+        <p:nvSpPr>
+          <p:cNvPr id="4" name="Footer Placeholder 3"/>
+          <p:cNvSpPr>
+            <a:spLocks noGrp="1"/>
+          </p:cNvSpPr>
+          <p:nvPr>
+            <p:ph type="ftr" sz="quarter" idx="11"/>
+          </p:nvPr>
+        </p:nvSpPr>
+        <p:spPr/>
+        <p:txBody>
+          <a:bodyPr/>
+          <a:lstStyle/>
+          <a:p>
+            <a:r>
+              <a:rPr lang="en-US" smtClean="0"/>
+              <a:t>Ashim Lamichhane</a:t>
+            </a:r>
+            <a:endParaRPr lang="en-US"/>
+          </a:p>
+        </p:txBody>
+      </p:sp>
+      <p:sp>
+        <p:nvSpPr>
+          <p:cNvPr id="5" name="Slide Number Placeholder 4"/>
+          <p:cNvSpPr>
+            <a:spLocks noGrp="1"/>
+          </p:cNvSpPr>
+          <p:nvPr>
+            <p:ph type="sldNum" sz="quarter" idx="12"/>
+          </p:nvPr>
+        </p:nvSpPr>
+        <p:spPr/>
+        <p:txBody>
+          <a:bodyPr/>
+          <a:lstStyle/>
+          <a:p>
+            <a:fld id="{7D094B80-DE71-CC46-B9B3-AF1864E96B56}" type="slidenum">
+              <a:rPr lang="en-US" smtClean="0"/>
+              <a:t>31</a:t>
+            </a:fld>
+            <a:endParaRPr lang="en-US"/>
+          </a:p>
+        </p:txBody>
+      </p:sp>
+    </p:spTree>
+    <p:extLst>
+      <p:ext uri="{BB962C8B-B14F-4D97-AF65-F5344CB8AC3E}">
+        <p14:creationId xmlns:p14="http://schemas.microsoft.com/office/powerpoint/2010/main" val="1120636707"/>
+      </p:ext>
+    </p:extLst>
+  </p:cSld>
+  <p:clrMapOvr>
+    <a:masterClrMapping/>
+  </p:clrMapOvr>
+</p:sld>
+</file>
+
+<file path=ppt/slides/slide32.xml><?xml version="1.0" encoding="utf-8"?>
+<p:sld xmlns:a="http://schemas.openxmlformats.org/drawingml/2006/main" xmlns:r="http://schemas.openxmlformats.org/officeDocument/2006/relationships" xmlns:p="http://schemas.openxmlformats.org/presentationml/2006/main">
+  <p:cSld>
+    <p:spTree>
+      <p:nvGrpSpPr>
+        <p:cNvPr id="1" name=""/>
+        <p:cNvGrpSpPr/>
+        <p:nvPr/>
+      </p:nvGrpSpPr>
+      <p:grpSpPr>
+        <a:xfrm>
+          <a:off x="0" y="0"/>
+          <a:ext cx="0" cy="0"/>
+          <a:chOff x="0" y="0"/>
+          <a:chExt cx="0" cy="0"/>
+        </a:xfrm>
+      </p:grpSpPr>
+      <p:sp>
+        <p:nvSpPr>
+          <p:cNvPr id="2" name="Title 1"/>
+          <p:cNvSpPr>
+            <a:spLocks noGrp="1"/>
+          </p:cNvSpPr>
+          <p:nvPr>
+            <p:ph type="title"/>
+          </p:nvPr>
+        </p:nvSpPr>
+        <p:spPr>
+          <a:xfrm>
+            <a:off x="838200" y="386641"/>
+            <a:ext cx="10515600" cy="775186"/>
+          </a:xfrm>
+        </p:spPr>
+        <p:txBody>
+          <a:bodyPr>
+            <a:normAutofit/>
+          </a:bodyPr>
+          <a:lstStyle/>
+          <a:p>
+            <a:endParaRPr lang="en-US" sz="3600" dirty="0"/>
+          </a:p>
+        </p:txBody>
+      </p:sp>
+      <p:sp>
+        <p:nvSpPr>
+          <p:cNvPr id="3" name="Content Placeholder 2"/>
+          <p:cNvSpPr>
+            <a:spLocks noGrp="1"/>
+          </p:cNvSpPr>
+          <p:nvPr>
+            <p:ph idx="1"/>
+          </p:nvPr>
+        </p:nvSpPr>
+        <p:spPr>
+          <a:xfrm>
+            <a:off x="838200" y="1398494"/>
+            <a:ext cx="10515600" cy="4778469"/>
+          </a:xfrm>
+        </p:spPr>
+        <p:txBody>
+          <a:bodyPr>
+            <a:normAutofit/>
+          </a:bodyPr>
+          <a:lstStyle/>
+          <a:p>
+            <a:endParaRPr lang="en-US" sz="2400" dirty="0">
+              <a:latin typeface="+mj-lt"/>
+            </a:endParaRPr>
+          </a:p>
+        </p:txBody>
+      </p:sp>
+      <p:sp>
+        <p:nvSpPr>
+          <p:cNvPr id="4" name="Footer Placeholder 3"/>
+          <p:cNvSpPr>
+            <a:spLocks noGrp="1"/>
+          </p:cNvSpPr>
+          <p:nvPr>
+            <p:ph type="ftr" sz="quarter" idx="11"/>
+          </p:nvPr>
+        </p:nvSpPr>
+        <p:spPr/>
+        <p:txBody>
+          <a:bodyPr/>
+          <a:lstStyle/>
+          <a:p>
+            <a:r>
+              <a:rPr lang="en-US" smtClean="0"/>
+              <a:t>Ashim Lamichhane</a:t>
+            </a:r>
+            <a:endParaRPr lang="en-US"/>
+          </a:p>
+        </p:txBody>
+      </p:sp>
+      <p:sp>
+        <p:nvSpPr>
+          <p:cNvPr id="5" name="Slide Number Placeholder 4"/>
+          <p:cNvSpPr>
+            <a:spLocks noGrp="1"/>
+          </p:cNvSpPr>
+          <p:nvPr>
+            <p:ph type="sldNum" sz="quarter" idx="12"/>
+          </p:nvPr>
+        </p:nvSpPr>
+        <p:spPr/>
+        <p:txBody>
+          <a:bodyPr/>
+          <a:lstStyle/>
+          <a:p>
+            <a:fld id="{7D094B80-DE71-CC46-B9B3-AF1864E96B56}" type="slidenum">
+              <a:rPr lang="en-US" smtClean="0"/>
+              <a:t>32</a:t>
+            </a:fld>
+            <a:endParaRPr lang="en-US"/>
+          </a:p>
+        </p:txBody>
+      </p:sp>
+    </p:spTree>
+    <p:extLst>
+      <p:ext uri="{BB962C8B-B14F-4D97-AF65-F5344CB8AC3E}">
+        <p14:creationId xmlns:p14="http://schemas.microsoft.com/office/powerpoint/2010/main" val="120937791"/>
+      </p:ext>
+    </p:extLst>
+  </p:cSld>
+  <p:clrMapOvr>
+    <a:masterClrMapping/>
+  </p:clrMapOvr>
+</p:sld>
+</file>
+
+<file path=ppt/slides/slide33.xml><?xml version="1.0" encoding="utf-8"?>
+<p:sld xmlns:a="http://schemas.openxmlformats.org/drawingml/2006/main" xmlns:r="http://schemas.openxmlformats.org/officeDocument/2006/relationships" xmlns:p="http://schemas.openxmlformats.org/presentationml/2006/main">
+  <p:cSld>
+    <p:spTree>
+      <p:nvGrpSpPr>
+        <p:cNvPr id="1" name=""/>
+        <p:cNvGrpSpPr/>
+        <p:nvPr/>
+      </p:nvGrpSpPr>
+      <p:grpSpPr>
+        <a:xfrm>
+          <a:off x="0" y="0"/>
+          <a:ext cx="0" cy="0"/>
+          <a:chOff x="0" y="0"/>
+          <a:chExt cx="0" cy="0"/>
+        </a:xfrm>
+      </p:grpSpPr>
+      <p:sp>
+        <p:nvSpPr>
+          <p:cNvPr id="2" name="Title 1"/>
+          <p:cNvSpPr>
+            <a:spLocks noGrp="1"/>
+          </p:cNvSpPr>
+          <p:nvPr>
+            <p:ph type="title"/>
+          </p:nvPr>
+        </p:nvSpPr>
+        <p:spPr>
+          <a:xfrm>
+            <a:off x="838200" y="386641"/>
+            <a:ext cx="10515600" cy="775186"/>
+          </a:xfrm>
+        </p:spPr>
+        <p:txBody>
+          <a:bodyPr>
+            <a:normAutofit/>
+          </a:bodyPr>
+          <a:lstStyle/>
+          <a:p>
+            <a:r>
+              <a:rPr lang="en-US" sz="3600" dirty="0" smtClean="0"/>
+              <a:t>References:</a:t>
+            </a:r>
+            <a:endParaRPr lang="en-US" sz="3600" dirty="0"/>
+          </a:p>
+        </p:txBody>
+      </p:sp>
+      <p:sp>
+        <p:nvSpPr>
+          <p:cNvPr id="3" name="Content Placeholder 2"/>
+          <p:cNvSpPr>
+            <a:spLocks noGrp="1"/>
+          </p:cNvSpPr>
+          <p:nvPr>
+            <p:ph idx="1"/>
+          </p:nvPr>
+        </p:nvSpPr>
+        <p:spPr>
+          <a:xfrm>
+            <a:off x="838200" y="1398494"/>
+            <a:ext cx="10515600" cy="4778469"/>
+          </a:xfrm>
+        </p:spPr>
+        <p:txBody>
+          <a:bodyPr>
+            <a:normAutofit/>
+          </a:bodyPr>
+          <a:lstStyle/>
+          <a:p>
+            <a:r>
+              <a:rPr lang="en-US" sz="2400" dirty="0" smtClean="0">
+                <a:latin typeface="+mj-lt"/>
+                <a:hlinkClick r:id="rId2"/>
+              </a:rPr>
+              <a:t>http://www.studytonight.com/c/structures-in-c.php</a:t>
+            </a:r>
+            <a:endParaRPr lang="en-US" sz="2400" dirty="0" smtClean="0">
+              <a:latin typeface="+mj-lt"/>
+            </a:endParaRPr>
+          </a:p>
+          <a:p>
+            <a:r>
+              <a:rPr lang="en-US" sz="2400" dirty="0" smtClean="0">
+                <a:latin typeface="+mj-lt"/>
+                <a:hlinkClick r:id="rId3"/>
+              </a:rPr>
+              <a:t>http://www.tutorialspoint.com/cprogramming/c_structures.htm</a:t>
+            </a:r>
+            <a:endParaRPr lang="en-US" sz="2400" dirty="0" smtClean="0">
+              <a:latin typeface="+mj-lt"/>
+            </a:endParaRPr>
+          </a:p>
+          <a:p>
+            <a:r>
+              <a:rPr lang="en-US" sz="2400" dirty="0" smtClean="0">
+                <a:latin typeface="+mj-lt"/>
+                <a:hlinkClick r:id="rId4"/>
+              </a:rPr>
+              <a:t>http://www.javakode.com/c-programming/c-structures/</a:t>
+            </a:r>
+            <a:endParaRPr lang="en-US" sz="2400" dirty="0" smtClean="0">
+              <a:latin typeface="+mj-lt"/>
+            </a:endParaRPr>
+          </a:p>
+          <a:p>
+            <a:r>
+              <a:rPr lang="en-US" sz="2400" dirty="0" smtClean="0">
+                <a:latin typeface="+mj-lt"/>
+                <a:hlinkClick r:id="rId5"/>
+              </a:rPr>
+              <a:t>http://c.learncodethehardway.org/book/ex16.html</a:t>
+            </a:r>
+            <a:endParaRPr lang="en-US" sz="2400" dirty="0" smtClean="0">
+              <a:latin typeface="+mj-lt"/>
+            </a:endParaRPr>
+          </a:p>
+          <a:p>
+            <a:endParaRPr lang="en-US" sz="2400" dirty="0">
+              <a:latin typeface="+mj-lt"/>
+            </a:endParaRPr>
+          </a:p>
+        </p:txBody>
+      </p:sp>
+      <p:sp>
+        <p:nvSpPr>
+          <p:cNvPr id="4" name="Footer Placeholder 3"/>
+          <p:cNvSpPr>
+            <a:spLocks noGrp="1"/>
+          </p:cNvSpPr>
+          <p:nvPr>
+            <p:ph type="ftr" sz="quarter" idx="11"/>
+          </p:nvPr>
+        </p:nvSpPr>
+        <p:spPr/>
+        <p:txBody>
+          <a:bodyPr/>
+          <a:lstStyle/>
+          <a:p>
+            <a:r>
+              <a:rPr lang="en-US" smtClean="0"/>
+              <a:t>Ashim Lamichhane</a:t>
+            </a:r>
+            <a:endParaRPr lang="en-US"/>
+          </a:p>
+        </p:txBody>
+      </p:sp>
+      <p:sp>
+        <p:nvSpPr>
+          <p:cNvPr id="5" name="Slide Number Placeholder 4"/>
+          <p:cNvSpPr>
+            <a:spLocks noGrp="1"/>
+          </p:cNvSpPr>
+          <p:nvPr>
+            <p:ph type="sldNum" sz="quarter" idx="12"/>
+          </p:nvPr>
+        </p:nvSpPr>
+        <p:spPr/>
+        <p:txBody>
+          <a:bodyPr/>
+          <a:lstStyle/>
+          <a:p>
+            <a:fld id="{7D094B80-DE71-CC46-B9B3-AF1864E96B56}" type="slidenum">
+              <a:rPr lang="en-US" smtClean="0"/>
+              <a:t>33</a:t>
+            </a:fld>
+            <a:endParaRPr lang="en-US"/>
+          </a:p>
+        </p:txBody>
+      </p:sp>
+    </p:spTree>
+    <p:extLst>
+      <p:ext uri="{BB962C8B-B14F-4D97-AF65-F5344CB8AC3E}">
+        <p14:creationId xmlns:p14="http://schemas.microsoft.com/office/powerpoint/2010/main" val="1557035260"/>
       </p:ext>
     </p:extLst>
   </p:cSld>
